--- a/docs/design/kubevirt_executor_design.pptx
+++ b/docs/design/kubevirt_executor_design.pptx
@@ -5,10 +5,11 @@
     <p:sldMasterId id="2147483648" r:id="rId1"/>
   </p:sldMasterIdLst>
   <p:notesMasterIdLst>
-    <p:notesMasterId r:id="rId3"/>
+    <p:notesMasterId r:id="rId4"/>
   </p:notesMasterIdLst>
   <p:sldIdLst>
     <p:sldId id="256" r:id="rId2"/>
+    <p:sldId id="257" r:id="rId3"/>
   </p:sldIdLst>
   <p:sldSz cx="12192000" cy="6858000"/>
   <p:notesSz cx="6858000" cy="9144000"/>
@@ -197,7 +198,7 @@
           <a:p>
             <a:fld id="{B706F0AF-853F-47DF-82A5-B567E07A739C}" type="datetimeFigureOut">
               <a:rPr lang="zh-CN" altLang="en-US" smtClean="0"/>
-              <a:t>2019/7/5</a:t>
+              <a:t>2020/7/14</a:t>
             </a:fld>
             <a:endParaRPr lang="zh-CN" altLang="en-US"/>
           </a:p>
@@ -548,6 +549,90 @@
 </p:notes>
 </file>
 
+<file path=ppt/notesSlides/notesSlide2.xml><?xml version="1.0" encoding="utf-8"?>
+<p:notes xmlns:a="http://schemas.openxmlformats.org/drawingml/2006/main" xmlns:r="http://schemas.openxmlformats.org/officeDocument/2006/relationships" xmlns:p="http://schemas.openxmlformats.org/presentationml/2006/main">
+  <p:cSld>
+    <p:spTree>
+      <p:nvGrpSpPr>
+        <p:cNvPr id="1" name=""/>
+        <p:cNvGrpSpPr/>
+        <p:nvPr/>
+      </p:nvGrpSpPr>
+      <p:grpSpPr>
+        <a:xfrm>
+          <a:off x="0" y="0"/>
+          <a:ext cx="0" cy="0"/>
+          <a:chOff x="0" y="0"/>
+          <a:chExt cx="0" cy="0"/>
+        </a:xfrm>
+      </p:grpSpPr>
+      <p:sp>
+        <p:nvSpPr>
+          <p:cNvPr id="2" name="幻灯片图像占位符 1"/>
+          <p:cNvSpPr>
+            <a:spLocks noGrp="1" noRot="1" noChangeAspect="1"/>
+          </p:cNvSpPr>
+          <p:nvPr>
+            <p:ph type="sldImg"/>
+          </p:nvPr>
+        </p:nvSpPr>
+        <p:spPr/>
+      </p:sp>
+      <p:sp>
+        <p:nvSpPr>
+          <p:cNvPr id="3" name="备注占位符 2"/>
+          <p:cNvSpPr>
+            <a:spLocks noGrp="1"/>
+          </p:cNvSpPr>
+          <p:nvPr>
+            <p:ph type="body" idx="1"/>
+          </p:nvPr>
+        </p:nvSpPr>
+        <p:spPr/>
+        <p:txBody>
+          <a:bodyPr/>
+          <a:lstStyle/>
+          <a:p>
+            <a:endParaRPr lang="zh-CN" altLang="en-US" dirty="0"/>
+          </a:p>
+        </p:txBody>
+      </p:sp>
+      <p:sp>
+        <p:nvSpPr>
+          <p:cNvPr id="4" name="灯片编号占位符 3"/>
+          <p:cNvSpPr>
+            <a:spLocks noGrp="1"/>
+          </p:cNvSpPr>
+          <p:nvPr>
+            <p:ph type="sldNum" sz="quarter" idx="5"/>
+          </p:nvPr>
+        </p:nvSpPr>
+        <p:spPr/>
+        <p:txBody>
+          <a:bodyPr/>
+          <a:lstStyle/>
+          <a:p>
+            <a:fld id="{795936E6-257A-41D7-865B-7CB80156337A}" type="slidenum">
+              <a:rPr lang="zh-CN" altLang="en-US" smtClean="0"/>
+              <a:t>2</a:t>
+            </a:fld>
+            <a:endParaRPr lang="zh-CN" altLang="en-US"/>
+          </a:p>
+        </p:txBody>
+      </p:sp>
+    </p:spTree>
+    <p:extLst>
+      <p:ext uri="{BB962C8B-B14F-4D97-AF65-F5344CB8AC3E}">
+        <p14:creationId xmlns:p14="http://schemas.microsoft.com/office/powerpoint/2010/main" val="4232208525"/>
+      </p:ext>
+    </p:extLst>
+  </p:cSld>
+  <p:clrMapOvr>
+    <a:masterClrMapping/>
+  </p:clrMapOvr>
+</p:notes>
+</file>
+
 <file path=ppt/slideLayouts/slideLayout1.xml><?xml version="1.0" encoding="utf-8"?>
 <p:sldLayout xmlns:a="http://schemas.openxmlformats.org/drawingml/2006/main" xmlns:r="http://schemas.openxmlformats.org/officeDocument/2006/relationships" xmlns:p="http://schemas.openxmlformats.org/presentationml/2006/main" type="title" preserve="1">
   <p:cSld name="标题幻灯片">
@@ -695,7 +780,7 @@
           <a:p>
             <a:fld id="{67B6AFFA-113A-4A5C-A210-059A98D6B693}" type="datetimeFigureOut">
               <a:rPr lang="zh-CN" altLang="en-US" smtClean="0"/>
-              <a:t>2019/7/5</a:t>
+              <a:t>2020/7/14</a:t>
             </a:fld>
             <a:endParaRPr lang="zh-CN" altLang="en-US"/>
           </a:p>
@@ -893,7 +978,7 @@
           <a:p>
             <a:fld id="{67B6AFFA-113A-4A5C-A210-059A98D6B693}" type="datetimeFigureOut">
               <a:rPr lang="zh-CN" altLang="en-US" smtClean="0"/>
-              <a:t>2019/7/5</a:t>
+              <a:t>2020/7/14</a:t>
             </a:fld>
             <a:endParaRPr lang="zh-CN" altLang="en-US"/>
           </a:p>
@@ -1101,7 +1186,7 @@
           <a:p>
             <a:fld id="{67B6AFFA-113A-4A5C-A210-059A98D6B693}" type="datetimeFigureOut">
               <a:rPr lang="zh-CN" altLang="en-US" smtClean="0"/>
-              <a:t>2019/7/5</a:t>
+              <a:t>2020/7/14</a:t>
             </a:fld>
             <a:endParaRPr lang="zh-CN" altLang="en-US"/>
           </a:p>
@@ -1299,7 +1384,7 @@
           <a:p>
             <a:fld id="{67B6AFFA-113A-4A5C-A210-059A98D6B693}" type="datetimeFigureOut">
               <a:rPr lang="zh-CN" altLang="en-US" smtClean="0"/>
-              <a:t>2019/7/5</a:t>
+              <a:t>2020/7/14</a:t>
             </a:fld>
             <a:endParaRPr lang="zh-CN" altLang="en-US"/>
           </a:p>
@@ -1574,7 +1659,7 @@
           <a:p>
             <a:fld id="{67B6AFFA-113A-4A5C-A210-059A98D6B693}" type="datetimeFigureOut">
               <a:rPr lang="zh-CN" altLang="en-US" smtClean="0"/>
-              <a:t>2019/7/5</a:t>
+              <a:t>2020/7/14</a:t>
             </a:fld>
             <a:endParaRPr lang="zh-CN" altLang="en-US"/>
           </a:p>
@@ -1839,7 +1924,7 @@
           <a:p>
             <a:fld id="{67B6AFFA-113A-4A5C-A210-059A98D6B693}" type="datetimeFigureOut">
               <a:rPr lang="zh-CN" altLang="en-US" smtClean="0"/>
-              <a:t>2019/7/5</a:t>
+              <a:t>2020/7/14</a:t>
             </a:fld>
             <a:endParaRPr lang="zh-CN" altLang="en-US"/>
           </a:p>
@@ -2251,7 +2336,7 @@
           <a:p>
             <a:fld id="{67B6AFFA-113A-4A5C-A210-059A98D6B693}" type="datetimeFigureOut">
               <a:rPr lang="zh-CN" altLang="en-US" smtClean="0"/>
-              <a:t>2019/7/5</a:t>
+              <a:t>2020/7/14</a:t>
             </a:fld>
             <a:endParaRPr lang="zh-CN" altLang="en-US"/>
           </a:p>
@@ -2392,7 +2477,7 @@
           <a:p>
             <a:fld id="{67B6AFFA-113A-4A5C-A210-059A98D6B693}" type="datetimeFigureOut">
               <a:rPr lang="zh-CN" altLang="en-US" smtClean="0"/>
-              <a:t>2019/7/5</a:t>
+              <a:t>2020/7/14</a:t>
             </a:fld>
             <a:endParaRPr lang="zh-CN" altLang="en-US"/>
           </a:p>
@@ -2505,7 +2590,7 @@
           <a:p>
             <a:fld id="{67B6AFFA-113A-4A5C-A210-059A98D6B693}" type="datetimeFigureOut">
               <a:rPr lang="zh-CN" altLang="en-US" smtClean="0"/>
-              <a:t>2019/7/5</a:t>
+              <a:t>2020/7/14</a:t>
             </a:fld>
             <a:endParaRPr lang="zh-CN" altLang="en-US"/>
           </a:p>
@@ -2816,7 +2901,7 @@
           <a:p>
             <a:fld id="{67B6AFFA-113A-4A5C-A210-059A98D6B693}" type="datetimeFigureOut">
               <a:rPr lang="zh-CN" altLang="en-US" smtClean="0"/>
-              <a:t>2019/7/5</a:t>
+              <a:t>2020/7/14</a:t>
             </a:fld>
             <a:endParaRPr lang="zh-CN" altLang="en-US"/>
           </a:p>
@@ -3104,7 +3189,7 @@
           <a:p>
             <a:fld id="{67B6AFFA-113A-4A5C-A210-059A98D6B693}" type="datetimeFigureOut">
               <a:rPr lang="zh-CN" altLang="en-US" smtClean="0"/>
-              <a:t>2019/7/5</a:t>
+              <a:t>2020/7/14</a:t>
             </a:fld>
             <a:endParaRPr lang="zh-CN" altLang="en-US"/>
           </a:p>
@@ -3345,7 +3430,7 @@
           <a:p>
             <a:fld id="{67B6AFFA-113A-4A5C-A210-059A98D6B693}" type="datetimeFigureOut">
               <a:rPr lang="zh-CN" altLang="en-US" smtClean="0"/>
-              <a:t>2019/7/5</a:t>
+              <a:t>2020/7/14</a:t>
             </a:fld>
             <a:endParaRPr lang="zh-CN" altLang="en-US"/>
           </a:p>
@@ -7791,6 +7876,4032 @@
     <p:extLst>
       <p:ext uri="{BB962C8B-B14F-4D97-AF65-F5344CB8AC3E}">
         <p14:creationId xmlns:p14="http://schemas.microsoft.com/office/powerpoint/2010/main" val="55697364"/>
+      </p:ext>
+    </p:extLst>
+  </p:cSld>
+  <p:clrMapOvr>
+    <a:masterClrMapping/>
+  </p:clrMapOvr>
+</p:sld>
+</file>
+
+<file path=ppt/slides/slide2.xml><?xml version="1.0" encoding="utf-8"?>
+<p:sld xmlns:a="http://schemas.openxmlformats.org/drawingml/2006/main" xmlns:r="http://schemas.openxmlformats.org/officeDocument/2006/relationships" xmlns:p="http://schemas.openxmlformats.org/presentationml/2006/main">
+  <p:cSld>
+    <p:spTree>
+      <p:nvGrpSpPr>
+        <p:cNvPr id="1" name=""/>
+        <p:cNvGrpSpPr/>
+        <p:nvPr/>
+      </p:nvGrpSpPr>
+      <p:grpSpPr>
+        <a:xfrm>
+          <a:off x="0" y="0"/>
+          <a:ext cx="0" cy="0"/>
+          <a:chOff x="0" y="0"/>
+          <a:chExt cx="0" cy="0"/>
+        </a:xfrm>
+      </p:grpSpPr>
+      <p:sp>
+        <p:nvSpPr>
+          <p:cNvPr id="31" name="矩形 30">
+            <a:extLst>
+              <a:ext uri="{FF2B5EF4-FFF2-40B4-BE49-F238E27FC236}">
+                <a16:creationId xmlns:a16="http://schemas.microsoft.com/office/drawing/2014/main" id="{F95BECE7-8E94-4A69-A402-227F669A2477}"/>
+              </a:ext>
+            </a:extLst>
+          </p:cNvPr>
+          <p:cNvSpPr/>
+          <p:nvPr/>
+        </p:nvSpPr>
+        <p:spPr>
+          <a:xfrm>
+            <a:off x="683581" y="2432482"/>
+            <a:ext cx="5264458" cy="3089429"/>
+          </a:xfrm>
+          <a:prstGeom prst="rect">
+            <a:avLst/>
+          </a:prstGeom>
+          <a:solidFill>
+            <a:schemeClr val="accent5">
+              <a:lumMod val="40000"/>
+              <a:lumOff val="60000"/>
+            </a:schemeClr>
+          </a:solidFill>
+          <a:ln w="19050">
+            <a:solidFill>
+              <a:schemeClr val="tx1"/>
+            </a:solidFill>
+          </a:ln>
+        </p:spPr>
+        <p:style>
+          <a:lnRef idx="2">
+            <a:schemeClr val="accent1">
+              <a:shade val="50000"/>
+            </a:schemeClr>
+          </a:lnRef>
+          <a:fillRef idx="1">
+            <a:schemeClr val="accent1"/>
+          </a:fillRef>
+          <a:effectRef idx="0">
+            <a:schemeClr val="accent1"/>
+          </a:effectRef>
+          <a:fontRef idx="minor">
+            <a:schemeClr val="lt1"/>
+          </a:fontRef>
+        </p:style>
+        <p:txBody>
+          <a:bodyPr rtlCol="0" anchor="ctr"/>
+          <a:lstStyle/>
+          <a:p>
+            <a:pPr algn="ctr"/>
+            <a:endParaRPr lang="zh-CN" altLang="en-US"/>
+          </a:p>
+        </p:txBody>
+      </p:sp>
+      <p:sp>
+        <p:nvSpPr>
+          <p:cNvPr id="92" name="矩形 91">
+            <a:extLst>
+              <a:ext uri="{FF2B5EF4-FFF2-40B4-BE49-F238E27FC236}">
+                <a16:creationId xmlns:a16="http://schemas.microsoft.com/office/drawing/2014/main" id="{333A1731-0167-4206-8CF7-42E67888A11D}"/>
+              </a:ext>
+            </a:extLst>
+          </p:cNvPr>
+          <p:cNvSpPr/>
+          <p:nvPr/>
+        </p:nvSpPr>
+        <p:spPr>
+          <a:xfrm>
+            <a:off x="3048000" y="3941557"/>
+            <a:ext cx="663100" cy="317381"/>
+          </a:xfrm>
+          <a:prstGeom prst="rect">
+            <a:avLst/>
+          </a:prstGeom>
+          <a:solidFill>
+            <a:schemeClr val="bg1"/>
+          </a:solidFill>
+          <a:ln>
+            <a:solidFill>
+              <a:schemeClr val="tx1"/>
+            </a:solidFill>
+          </a:ln>
+        </p:spPr>
+        <p:style>
+          <a:lnRef idx="2">
+            <a:schemeClr val="accent1">
+              <a:shade val="50000"/>
+            </a:schemeClr>
+          </a:lnRef>
+          <a:fillRef idx="1">
+            <a:schemeClr val="accent1"/>
+          </a:fillRef>
+          <a:effectRef idx="0">
+            <a:schemeClr val="accent1"/>
+          </a:effectRef>
+          <a:fontRef idx="minor">
+            <a:schemeClr val="lt1"/>
+          </a:fontRef>
+        </p:style>
+        <p:txBody>
+          <a:bodyPr rtlCol="0" anchor="ctr"/>
+          <a:lstStyle/>
+          <a:p>
+            <a:pPr algn="ctr"/>
+            <a:endParaRPr lang="zh-CN" altLang="en-US"/>
+          </a:p>
+        </p:txBody>
+      </p:sp>
+      <p:sp>
+        <p:nvSpPr>
+          <p:cNvPr id="94" name="矩形 93">
+            <a:extLst>
+              <a:ext uri="{FF2B5EF4-FFF2-40B4-BE49-F238E27FC236}">
+                <a16:creationId xmlns:a16="http://schemas.microsoft.com/office/drawing/2014/main" id="{A3972A9E-20EB-4AA4-99E9-1FE9C30ECFB4}"/>
+              </a:ext>
+            </a:extLst>
+          </p:cNvPr>
+          <p:cNvSpPr/>
+          <p:nvPr/>
+        </p:nvSpPr>
+        <p:spPr>
+          <a:xfrm>
+            <a:off x="4646167" y="2533256"/>
+            <a:ext cx="1265106" cy="317381"/>
+          </a:xfrm>
+          <a:prstGeom prst="rect">
+            <a:avLst/>
+          </a:prstGeom>
+          <a:solidFill>
+            <a:schemeClr val="bg1"/>
+          </a:solidFill>
+          <a:ln>
+            <a:solidFill>
+              <a:schemeClr val="tx1"/>
+            </a:solidFill>
+          </a:ln>
+        </p:spPr>
+        <p:style>
+          <a:lnRef idx="2">
+            <a:schemeClr val="accent1">
+              <a:shade val="50000"/>
+            </a:schemeClr>
+          </a:lnRef>
+          <a:fillRef idx="1">
+            <a:schemeClr val="accent1"/>
+          </a:fillRef>
+          <a:effectRef idx="0">
+            <a:schemeClr val="accent1"/>
+          </a:effectRef>
+          <a:fontRef idx="minor">
+            <a:schemeClr val="lt1"/>
+          </a:fontRef>
+        </p:style>
+        <p:txBody>
+          <a:bodyPr rtlCol="0" anchor="ctr"/>
+          <a:lstStyle/>
+          <a:p>
+            <a:pPr algn="ctr"/>
+            <a:endParaRPr lang="zh-CN" altLang="en-US"/>
+          </a:p>
+        </p:txBody>
+      </p:sp>
+      <p:cxnSp>
+        <p:nvCxnSpPr>
+          <p:cNvPr id="10" name="直接连接符 9">
+            <a:extLst>
+              <a:ext uri="{FF2B5EF4-FFF2-40B4-BE49-F238E27FC236}">
+                <a16:creationId xmlns:a16="http://schemas.microsoft.com/office/drawing/2014/main" id="{1576F21D-1AC1-4ED7-9784-81B9B2BF218F}"/>
+              </a:ext>
+            </a:extLst>
+          </p:cNvPr>
+          <p:cNvCxnSpPr>
+            <a:cxnSpLocks/>
+            <a:endCxn id="5" idx="0"/>
+          </p:cNvCxnSpPr>
+          <p:nvPr/>
+        </p:nvCxnSpPr>
+        <p:spPr>
+          <a:xfrm>
+            <a:off x="2151355" y="2118972"/>
+            <a:ext cx="0" cy="867734"/>
+          </a:xfrm>
+          <a:prstGeom prst="line">
+            <a:avLst/>
+          </a:prstGeom>
+          <a:ln w="28575">
+            <a:solidFill>
+              <a:schemeClr val="tx1"/>
+            </a:solidFill>
+            <a:prstDash val="sysDot"/>
+            <a:headEnd type="none" w="med" len="med"/>
+            <a:tailEnd type="none" w="med" len="med"/>
+          </a:ln>
+        </p:spPr>
+        <p:style>
+          <a:lnRef idx="1">
+            <a:schemeClr val="accent1"/>
+          </a:lnRef>
+          <a:fillRef idx="0">
+            <a:schemeClr val="accent1"/>
+          </a:fillRef>
+          <a:effectRef idx="0">
+            <a:schemeClr val="accent1"/>
+          </a:effectRef>
+          <a:fontRef idx="minor">
+            <a:schemeClr val="tx1"/>
+          </a:fontRef>
+        </p:style>
+      </p:cxnSp>
+      <p:sp>
+        <p:nvSpPr>
+          <p:cNvPr id="91" name="矩形 90">
+            <a:extLst>
+              <a:ext uri="{FF2B5EF4-FFF2-40B4-BE49-F238E27FC236}">
+                <a16:creationId xmlns:a16="http://schemas.microsoft.com/office/drawing/2014/main" id="{950DF08D-68B6-4EE3-8749-F3D91DB23DD7}"/>
+              </a:ext>
+            </a:extLst>
+          </p:cNvPr>
+          <p:cNvSpPr/>
+          <p:nvPr/>
+        </p:nvSpPr>
+        <p:spPr>
+          <a:xfrm>
+            <a:off x="762371" y="2537794"/>
+            <a:ext cx="1642364" cy="317381"/>
+          </a:xfrm>
+          <a:prstGeom prst="rect">
+            <a:avLst/>
+          </a:prstGeom>
+          <a:solidFill>
+            <a:schemeClr val="bg1"/>
+          </a:solidFill>
+          <a:ln>
+            <a:solidFill>
+              <a:schemeClr val="tx1"/>
+            </a:solidFill>
+          </a:ln>
+        </p:spPr>
+        <p:style>
+          <a:lnRef idx="2">
+            <a:schemeClr val="accent1">
+              <a:shade val="50000"/>
+            </a:schemeClr>
+          </a:lnRef>
+          <a:fillRef idx="1">
+            <a:schemeClr val="accent1"/>
+          </a:fillRef>
+          <a:effectRef idx="0">
+            <a:schemeClr val="accent1"/>
+          </a:effectRef>
+          <a:fontRef idx="minor">
+            <a:schemeClr val="lt1"/>
+          </a:fontRef>
+        </p:style>
+        <p:txBody>
+          <a:bodyPr rtlCol="0" anchor="ctr"/>
+          <a:lstStyle/>
+          <a:p>
+            <a:pPr algn="ctr"/>
+            <a:endParaRPr lang="zh-CN" altLang="en-US"/>
+          </a:p>
+        </p:txBody>
+      </p:sp>
+      <p:sp>
+        <p:nvSpPr>
+          <p:cNvPr id="4" name="矩形: 圆角 3">
+            <a:extLst>
+              <a:ext uri="{FF2B5EF4-FFF2-40B4-BE49-F238E27FC236}">
+                <a16:creationId xmlns:a16="http://schemas.microsoft.com/office/drawing/2014/main" id="{C7AD5B7E-69E4-412E-85FF-43C421AB899F}"/>
+              </a:ext>
+            </a:extLst>
+          </p:cNvPr>
+          <p:cNvSpPr/>
+          <p:nvPr/>
+        </p:nvSpPr>
+        <p:spPr>
+          <a:xfrm>
+            <a:off x="1330171" y="4029880"/>
+            <a:ext cx="1642368" cy="568766"/>
+          </a:xfrm>
+          <a:prstGeom prst="roundRect">
+            <a:avLst/>
+          </a:prstGeom>
+          <a:solidFill>
+            <a:schemeClr val="bg1">
+              <a:lumMod val="85000"/>
+            </a:schemeClr>
+          </a:solidFill>
+          <a:ln>
+            <a:solidFill>
+              <a:schemeClr val="tx1"/>
+            </a:solidFill>
+          </a:ln>
+        </p:spPr>
+        <p:style>
+          <a:lnRef idx="2">
+            <a:schemeClr val="accent1">
+              <a:shade val="50000"/>
+            </a:schemeClr>
+          </a:lnRef>
+          <a:fillRef idx="1">
+            <a:schemeClr val="accent1"/>
+          </a:fillRef>
+          <a:effectRef idx="0">
+            <a:schemeClr val="accent1"/>
+          </a:effectRef>
+          <a:fontRef idx="minor">
+            <a:schemeClr val="lt1"/>
+          </a:fontRef>
+        </p:style>
+        <p:txBody>
+          <a:bodyPr rtlCol="0" anchor="ctr"/>
+          <a:lstStyle/>
+          <a:p>
+            <a:pPr algn="ctr"/>
+            <a:r>
+              <a:rPr lang="zh-CN" altLang="en-US" sz="2000" dirty="0">
+                <a:solidFill>
+                  <a:schemeClr val="tx1"/>
+                </a:solidFill>
+                <a:latin typeface="Times New Roman" panose="02020603050405020304" pitchFamily="18" charset="0"/>
+                <a:cs typeface="Times New Roman" panose="02020603050405020304" pitchFamily="18" charset="0"/>
+              </a:rPr>
+              <a:t>命令解析器</a:t>
+            </a:r>
+          </a:p>
+        </p:txBody>
+      </p:sp>
+      <p:sp>
+        <p:nvSpPr>
+          <p:cNvPr id="5" name="矩形: 圆角 4">
+            <a:extLst>
+              <a:ext uri="{FF2B5EF4-FFF2-40B4-BE49-F238E27FC236}">
+                <a16:creationId xmlns:a16="http://schemas.microsoft.com/office/drawing/2014/main" id="{5D190583-467D-497E-ACED-E4EB6C1AF60A}"/>
+              </a:ext>
+            </a:extLst>
+          </p:cNvPr>
+          <p:cNvSpPr/>
+          <p:nvPr/>
+        </p:nvSpPr>
+        <p:spPr>
+          <a:xfrm>
+            <a:off x="1330171" y="2986706"/>
+            <a:ext cx="1642368" cy="568765"/>
+          </a:xfrm>
+          <a:prstGeom prst="roundRect">
+            <a:avLst/>
+          </a:prstGeom>
+          <a:solidFill>
+            <a:schemeClr val="bg1">
+              <a:lumMod val="85000"/>
+            </a:schemeClr>
+          </a:solidFill>
+          <a:ln>
+            <a:solidFill>
+              <a:schemeClr val="tx1"/>
+            </a:solidFill>
+          </a:ln>
+        </p:spPr>
+        <p:style>
+          <a:lnRef idx="2">
+            <a:schemeClr val="accent1">
+              <a:shade val="50000"/>
+            </a:schemeClr>
+          </a:lnRef>
+          <a:fillRef idx="1">
+            <a:schemeClr val="accent1"/>
+          </a:fillRef>
+          <a:effectRef idx="0">
+            <a:schemeClr val="accent1"/>
+          </a:effectRef>
+          <a:fontRef idx="minor">
+            <a:schemeClr val="lt1"/>
+          </a:fontRef>
+        </p:style>
+        <p:txBody>
+          <a:bodyPr rtlCol="0" anchor="ctr"/>
+          <a:lstStyle/>
+          <a:p>
+            <a:pPr algn="ctr"/>
+            <a:r>
+              <a:rPr lang="zh-CN" altLang="en-US" sz="2000" dirty="0">
+                <a:solidFill>
+                  <a:schemeClr val="tx1"/>
+                </a:solidFill>
+                <a:latin typeface="Times New Roman" panose="02020603050405020304" pitchFamily="18" charset="0"/>
+                <a:cs typeface="Times New Roman" panose="02020603050405020304" pitchFamily="18" charset="0"/>
+              </a:rPr>
+              <a:t>状态监听器</a:t>
+            </a:r>
+          </a:p>
+        </p:txBody>
+      </p:sp>
+      <p:sp>
+        <p:nvSpPr>
+          <p:cNvPr id="6" name="文本框 5">
+            <a:extLst>
+              <a:ext uri="{FF2B5EF4-FFF2-40B4-BE49-F238E27FC236}">
+                <a16:creationId xmlns:a16="http://schemas.microsoft.com/office/drawing/2014/main" id="{B8230D37-886D-409A-BA28-A470C398073A}"/>
+              </a:ext>
+            </a:extLst>
+          </p:cNvPr>
+          <p:cNvSpPr txBox="1"/>
+          <p:nvPr/>
+        </p:nvSpPr>
+        <p:spPr>
+          <a:xfrm>
+            <a:off x="683581" y="468191"/>
+            <a:ext cx="2581922" cy="369332"/>
+          </a:xfrm>
+          <a:prstGeom prst="rect">
+            <a:avLst/>
+          </a:prstGeom>
+          <a:noFill/>
+        </p:spPr>
+        <p:txBody>
+          <a:bodyPr wrap="square" rtlCol="0">
+            <a:spAutoFit/>
+          </a:bodyPr>
+          <a:lstStyle/>
+          <a:p>
+            <a:pPr algn="ctr"/>
+            <a:r>
+              <a:rPr lang="zh-CN" altLang="en-US" dirty="0">
+                <a:latin typeface="Times New Roman" panose="02020603050405020304" pitchFamily="18" charset="0"/>
+                <a:cs typeface="Times New Roman" panose="02020603050405020304" pitchFamily="18" charset="0"/>
+              </a:rPr>
+              <a:t>客户端</a:t>
+            </a:r>
+            <a:r>
+              <a:rPr lang="en-US" altLang="zh-CN" dirty="0">
+                <a:latin typeface="Times New Roman" panose="02020603050405020304" pitchFamily="18" charset="0"/>
+                <a:cs typeface="Times New Roman" panose="02020603050405020304" pitchFamily="18" charset="0"/>
+              </a:rPr>
+              <a:t> API</a:t>
+            </a:r>
+            <a:endParaRPr lang="zh-CN" altLang="en-US" dirty="0">
+              <a:latin typeface="Times New Roman" panose="02020603050405020304" pitchFamily="18" charset="0"/>
+              <a:cs typeface="Times New Roman" panose="02020603050405020304" pitchFamily="18" charset="0"/>
+            </a:endParaRPr>
+          </a:p>
+        </p:txBody>
+      </p:sp>
+      <p:sp>
+        <p:nvSpPr>
+          <p:cNvPr id="7" name="流程图: 多文档 6">
+            <a:extLst>
+              <a:ext uri="{FF2B5EF4-FFF2-40B4-BE49-F238E27FC236}">
+                <a16:creationId xmlns:a16="http://schemas.microsoft.com/office/drawing/2014/main" id="{6F8D2831-418A-423F-9F4B-B07102D37156}"/>
+              </a:ext>
+            </a:extLst>
+          </p:cNvPr>
+          <p:cNvSpPr/>
+          <p:nvPr/>
+        </p:nvSpPr>
+        <p:spPr>
+          <a:xfrm>
+            <a:off x="1066060" y="837523"/>
+            <a:ext cx="1898810" cy="691348"/>
+          </a:xfrm>
+          <a:prstGeom prst="flowChartMultidocument">
+            <a:avLst/>
+          </a:prstGeom>
+          <a:solidFill>
+            <a:schemeClr val="bg1">
+              <a:lumMod val="85000"/>
+            </a:schemeClr>
+          </a:solidFill>
+          <a:ln w="19050">
+            <a:solidFill>
+              <a:schemeClr val="tx1"/>
+            </a:solidFill>
+          </a:ln>
+        </p:spPr>
+        <p:style>
+          <a:lnRef idx="2">
+            <a:schemeClr val="accent1">
+              <a:shade val="50000"/>
+            </a:schemeClr>
+          </a:lnRef>
+          <a:fillRef idx="1">
+            <a:schemeClr val="accent1"/>
+          </a:fillRef>
+          <a:effectRef idx="0">
+            <a:schemeClr val="accent1"/>
+          </a:effectRef>
+          <a:fontRef idx="minor">
+            <a:schemeClr val="lt1"/>
+          </a:fontRef>
+        </p:style>
+        <p:txBody>
+          <a:bodyPr rot="0" spcFirstLastPara="0" vertOverflow="overflow" horzOverflow="overflow" vert="horz" wrap="square" lIns="91440" tIns="45720" rIns="91440" bIns="45720" numCol="1" spcCol="0" rtlCol="0" fromWordArt="0" anchor="ctr" anchorCtr="0" forceAA="0" compatLnSpc="1">
+            <a:prstTxWarp prst="textNoShape">
+              <a:avLst/>
+            </a:prstTxWarp>
+            <a:noAutofit/>
+          </a:bodyPr>
+          <a:lstStyle/>
+          <a:p>
+            <a:pPr algn="ctr"/>
+            <a:endParaRPr lang="zh-CN" altLang="en-US" i="1" dirty="0">
+              <a:solidFill>
+                <a:schemeClr val="accent2"/>
+              </a:solidFill>
+              <a:latin typeface="Times New Roman" panose="02020603050405020304" pitchFamily="18" charset="0"/>
+              <a:cs typeface="Times New Roman" panose="02020603050405020304" pitchFamily="18" charset="0"/>
+            </a:endParaRPr>
+          </a:p>
+        </p:txBody>
+      </p:sp>
+      <p:sp>
+        <p:nvSpPr>
+          <p:cNvPr id="8" name="矩形: 圆角 7">
+            <a:extLst>
+              <a:ext uri="{FF2B5EF4-FFF2-40B4-BE49-F238E27FC236}">
+                <a16:creationId xmlns:a16="http://schemas.microsoft.com/office/drawing/2014/main" id="{9E51FEB6-4580-4054-B756-51108A944F1D}"/>
+              </a:ext>
+            </a:extLst>
+          </p:cNvPr>
+          <p:cNvSpPr/>
+          <p:nvPr/>
+        </p:nvSpPr>
+        <p:spPr>
+          <a:xfrm>
+            <a:off x="3737868" y="2986706"/>
+            <a:ext cx="1642368" cy="568765"/>
+          </a:xfrm>
+          <a:prstGeom prst="roundRect">
+            <a:avLst/>
+          </a:prstGeom>
+          <a:solidFill>
+            <a:schemeClr val="bg1">
+              <a:lumMod val="85000"/>
+            </a:schemeClr>
+          </a:solidFill>
+          <a:ln>
+            <a:solidFill>
+              <a:schemeClr val="tx1"/>
+            </a:solidFill>
+          </a:ln>
+        </p:spPr>
+        <p:style>
+          <a:lnRef idx="2">
+            <a:schemeClr val="accent1">
+              <a:shade val="50000"/>
+            </a:schemeClr>
+          </a:lnRef>
+          <a:fillRef idx="1">
+            <a:schemeClr val="accent1"/>
+          </a:fillRef>
+          <a:effectRef idx="0">
+            <a:schemeClr val="accent1"/>
+          </a:effectRef>
+          <a:fontRef idx="minor">
+            <a:schemeClr val="lt1"/>
+          </a:fontRef>
+        </p:style>
+        <p:txBody>
+          <a:bodyPr rtlCol="0" anchor="ctr"/>
+          <a:lstStyle/>
+          <a:p>
+            <a:pPr algn="ctr"/>
+            <a:r>
+              <a:rPr lang="zh-CN" altLang="en-US" sz="2000" dirty="0">
+                <a:solidFill>
+                  <a:schemeClr val="tx1"/>
+                </a:solidFill>
+                <a:latin typeface="Times New Roman" panose="02020603050405020304" pitchFamily="18" charset="0"/>
+                <a:cs typeface="Times New Roman" panose="02020603050405020304" pitchFamily="18" charset="0"/>
+              </a:rPr>
+              <a:t>结果推送器</a:t>
+            </a:r>
+          </a:p>
+        </p:txBody>
+      </p:sp>
+      <p:sp>
+        <p:nvSpPr>
+          <p:cNvPr id="17" name="矩形: 圆角 16">
+            <a:extLst>
+              <a:ext uri="{FF2B5EF4-FFF2-40B4-BE49-F238E27FC236}">
+                <a16:creationId xmlns:a16="http://schemas.microsoft.com/office/drawing/2014/main" id="{6786BB6C-0D4B-44DF-8994-69EAA1DE5238}"/>
+              </a:ext>
+            </a:extLst>
+          </p:cNvPr>
+          <p:cNvSpPr/>
+          <p:nvPr/>
+        </p:nvSpPr>
+        <p:spPr>
+          <a:xfrm>
+            <a:off x="3765795" y="4037422"/>
+            <a:ext cx="1586513" cy="558188"/>
+          </a:xfrm>
+          <a:prstGeom prst="roundRect">
+            <a:avLst/>
+          </a:prstGeom>
+          <a:solidFill>
+            <a:schemeClr val="bg1">
+              <a:lumMod val="85000"/>
+            </a:schemeClr>
+          </a:solidFill>
+          <a:ln>
+            <a:solidFill>
+              <a:schemeClr val="tx1"/>
+            </a:solidFill>
+          </a:ln>
+        </p:spPr>
+        <p:style>
+          <a:lnRef idx="2">
+            <a:schemeClr val="accent1">
+              <a:shade val="50000"/>
+            </a:schemeClr>
+          </a:lnRef>
+          <a:fillRef idx="1">
+            <a:schemeClr val="accent1"/>
+          </a:fillRef>
+          <a:effectRef idx="0">
+            <a:schemeClr val="accent1"/>
+          </a:effectRef>
+          <a:fontRef idx="minor">
+            <a:schemeClr val="lt1"/>
+          </a:fontRef>
+        </p:style>
+        <p:txBody>
+          <a:bodyPr rot="0" spcFirstLastPara="0" vertOverflow="overflow" horzOverflow="overflow" vert="horz" wrap="square" lIns="91440" tIns="45720" rIns="91440" bIns="45720" numCol="1" spcCol="0" rtlCol="0" fromWordArt="0" anchor="ctr" anchorCtr="0" forceAA="0" compatLnSpc="1">
+            <a:prstTxWarp prst="textNoShape">
+              <a:avLst/>
+            </a:prstTxWarp>
+            <a:noAutofit/>
+          </a:bodyPr>
+          <a:lstStyle/>
+          <a:p>
+            <a:pPr algn="ctr"/>
+            <a:r>
+              <a:rPr lang="zh-CN" altLang="en-US" sz="2000" dirty="0">
+                <a:solidFill>
+                  <a:schemeClr val="tx1"/>
+                </a:solidFill>
+                <a:latin typeface="Times New Roman" panose="02020603050405020304" pitchFamily="18" charset="0"/>
+                <a:cs typeface="Times New Roman" panose="02020603050405020304" pitchFamily="18" charset="0"/>
+              </a:rPr>
+              <a:t>命令调用器</a:t>
+            </a:r>
+            <a:endParaRPr lang="en-US" altLang="zh-CN" sz="2000" dirty="0">
+              <a:solidFill>
+                <a:schemeClr val="tx1"/>
+              </a:solidFill>
+              <a:latin typeface="Times New Roman" panose="02020603050405020304" pitchFamily="18" charset="0"/>
+              <a:cs typeface="Times New Roman" panose="02020603050405020304" pitchFamily="18" charset="0"/>
+            </a:endParaRPr>
+          </a:p>
+        </p:txBody>
+      </p:sp>
+      <p:cxnSp>
+        <p:nvCxnSpPr>
+          <p:cNvPr id="18" name="直接连接符 17">
+            <a:extLst>
+              <a:ext uri="{FF2B5EF4-FFF2-40B4-BE49-F238E27FC236}">
+                <a16:creationId xmlns:a16="http://schemas.microsoft.com/office/drawing/2014/main" id="{1A2853B0-DF29-4F0A-9C94-55528682AA59}"/>
+              </a:ext>
+            </a:extLst>
+          </p:cNvPr>
+          <p:cNvCxnSpPr>
+            <a:cxnSpLocks/>
+            <a:stCxn id="4" idx="3"/>
+          </p:cNvCxnSpPr>
+          <p:nvPr/>
+        </p:nvCxnSpPr>
+        <p:spPr>
+          <a:xfrm>
+            <a:off x="2972539" y="4314263"/>
+            <a:ext cx="793256" cy="0"/>
+          </a:xfrm>
+          <a:prstGeom prst="line">
+            <a:avLst/>
+          </a:prstGeom>
+          <a:ln w="19050">
+            <a:solidFill>
+              <a:schemeClr val="tx1"/>
+            </a:solidFill>
+            <a:prstDash val="solid"/>
+            <a:headEnd type="none" w="med" len="med"/>
+            <a:tailEnd type="arrow" w="med" len="med"/>
+          </a:ln>
+        </p:spPr>
+        <p:style>
+          <a:lnRef idx="1">
+            <a:schemeClr val="accent1"/>
+          </a:lnRef>
+          <a:fillRef idx="0">
+            <a:schemeClr val="accent1"/>
+          </a:fillRef>
+          <a:effectRef idx="0">
+            <a:schemeClr val="accent1"/>
+          </a:effectRef>
+          <a:fontRef idx="minor">
+            <a:schemeClr val="tx1"/>
+          </a:fontRef>
+        </p:style>
+      </p:cxnSp>
+      <p:cxnSp>
+        <p:nvCxnSpPr>
+          <p:cNvPr id="21" name="直接连接符 20">
+            <a:extLst>
+              <a:ext uri="{FF2B5EF4-FFF2-40B4-BE49-F238E27FC236}">
+                <a16:creationId xmlns:a16="http://schemas.microsoft.com/office/drawing/2014/main" id="{B68C3CB8-ED17-4E24-A8E4-551247A064C7}"/>
+              </a:ext>
+            </a:extLst>
+          </p:cNvPr>
+          <p:cNvCxnSpPr>
+            <a:cxnSpLocks/>
+            <a:stCxn id="5" idx="2"/>
+            <a:endCxn id="4" idx="0"/>
+          </p:cNvCxnSpPr>
+          <p:nvPr/>
+        </p:nvCxnSpPr>
+        <p:spPr>
+          <a:xfrm>
+            <a:off x="2151355" y="3555471"/>
+            <a:ext cx="0" cy="474409"/>
+          </a:xfrm>
+          <a:prstGeom prst="line">
+            <a:avLst/>
+          </a:prstGeom>
+          <a:ln w="19050">
+            <a:solidFill>
+              <a:schemeClr val="tx1"/>
+            </a:solidFill>
+            <a:prstDash val="solid"/>
+            <a:headEnd type="none" w="med" len="med"/>
+            <a:tailEnd type="arrow" w="med" len="med"/>
+          </a:ln>
+        </p:spPr>
+        <p:style>
+          <a:lnRef idx="1">
+            <a:schemeClr val="accent1"/>
+          </a:lnRef>
+          <a:fillRef idx="0">
+            <a:schemeClr val="accent1"/>
+          </a:fillRef>
+          <a:effectRef idx="0">
+            <a:schemeClr val="accent1"/>
+          </a:effectRef>
+          <a:fontRef idx="minor">
+            <a:schemeClr val="tx1"/>
+          </a:fontRef>
+        </p:style>
+      </p:cxnSp>
+      <p:sp>
+        <p:nvSpPr>
+          <p:cNvPr id="32" name="文本框 31">
+            <a:extLst>
+              <a:ext uri="{FF2B5EF4-FFF2-40B4-BE49-F238E27FC236}">
+                <a16:creationId xmlns:a16="http://schemas.microsoft.com/office/drawing/2014/main" id="{7FE83DC4-9E1D-4C12-B6F5-04E276767987}"/>
+              </a:ext>
+            </a:extLst>
+          </p:cNvPr>
+          <p:cNvSpPr txBox="1"/>
+          <p:nvPr/>
+        </p:nvSpPr>
+        <p:spPr>
+          <a:xfrm>
+            <a:off x="2092171" y="2446903"/>
+            <a:ext cx="2581922" cy="461665"/>
+          </a:xfrm>
+          <a:prstGeom prst="rect">
+            <a:avLst/>
+          </a:prstGeom>
+          <a:noFill/>
+        </p:spPr>
+        <p:txBody>
+          <a:bodyPr wrap="square" rtlCol="0">
+            <a:spAutoFit/>
+          </a:bodyPr>
+          <a:lstStyle/>
+          <a:p>
+            <a:pPr algn="ctr"/>
+            <a:r>
+              <a:rPr lang="en-US" altLang="zh-CN" sz="2400" b="1" dirty="0" err="1">
+                <a:ln>
+                  <a:solidFill>
+                    <a:sysClr val="windowText" lastClr="000000"/>
+                  </a:solidFill>
+                </a:ln>
+                <a:effectLst/>
+                <a:latin typeface="Constantia" panose="02030602050306030303" pitchFamily="18" charset="0"/>
+              </a:rPr>
+              <a:t>Virtctl</a:t>
+            </a:r>
+            <a:endParaRPr lang="zh-CN" altLang="en-US" sz="2000" b="1" dirty="0">
+              <a:ln>
+                <a:solidFill>
+                  <a:sysClr val="windowText" lastClr="000000"/>
+                </a:solidFill>
+              </a:ln>
+              <a:effectLst/>
+              <a:latin typeface="Constantia" panose="02030602050306030303" pitchFamily="18" charset="0"/>
+            </a:endParaRPr>
+          </a:p>
+        </p:txBody>
+      </p:sp>
+      <p:sp>
+        <p:nvSpPr>
+          <p:cNvPr id="33" name="矩形 32">
+            <a:extLst>
+              <a:ext uri="{FF2B5EF4-FFF2-40B4-BE49-F238E27FC236}">
+                <a16:creationId xmlns:a16="http://schemas.microsoft.com/office/drawing/2014/main" id="{052463EC-7E18-499F-B363-248CD0398986}"/>
+              </a:ext>
+            </a:extLst>
+          </p:cNvPr>
+          <p:cNvSpPr/>
+          <p:nvPr/>
+        </p:nvSpPr>
+        <p:spPr>
+          <a:xfrm>
+            <a:off x="6201420" y="2432482"/>
+            <a:ext cx="5264458" cy="3089429"/>
+          </a:xfrm>
+          <a:prstGeom prst="rect">
+            <a:avLst/>
+          </a:prstGeom>
+          <a:solidFill>
+            <a:schemeClr val="accent5">
+              <a:lumMod val="40000"/>
+              <a:lumOff val="60000"/>
+            </a:schemeClr>
+          </a:solidFill>
+          <a:ln w="19050">
+            <a:solidFill>
+              <a:schemeClr val="tx1"/>
+            </a:solidFill>
+          </a:ln>
+        </p:spPr>
+        <p:style>
+          <a:lnRef idx="2">
+            <a:schemeClr val="accent1">
+              <a:shade val="50000"/>
+            </a:schemeClr>
+          </a:lnRef>
+          <a:fillRef idx="1">
+            <a:schemeClr val="accent1"/>
+          </a:fillRef>
+          <a:effectRef idx="0">
+            <a:schemeClr val="accent1"/>
+          </a:effectRef>
+          <a:fontRef idx="minor">
+            <a:schemeClr val="lt1"/>
+          </a:fontRef>
+        </p:style>
+        <p:txBody>
+          <a:bodyPr rtlCol="0" anchor="ctr"/>
+          <a:lstStyle/>
+          <a:p>
+            <a:pPr algn="ctr"/>
+            <a:endParaRPr lang="zh-CN" altLang="en-US"/>
+          </a:p>
+        </p:txBody>
+      </p:sp>
+      <p:sp>
+        <p:nvSpPr>
+          <p:cNvPr id="34" name="文本框 33">
+            <a:extLst>
+              <a:ext uri="{FF2B5EF4-FFF2-40B4-BE49-F238E27FC236}">
+                <a16:creationId xmlns:a16="http://schemas.microsoft.com/office/drawing/2014/main" id="{39B8D145-3859-4E59-A658-3C253400DAA9}"/>
+              </a:ext>
+            </a:extLst>
+          </p:cNvPr>
+          <p:cNvSpPr txBox="1"/>
+          <p:nvPr/>
+        </p:nvSpPr>
+        <p:spPr>
+          <a:xfrm>
+            <a:off x="7610010" y="2446903"/>
+            <a:ext cx="2581922" cy="461665"/>
+          </a:xfrm>
+          <a:prstGeom prst="rect">
+            <a:avLst/>
+          </a:prstGeom>
+          <a:noFill/>
+        </p:spPr>
+        <p:txBody>
+          <a:bodyPr wrap="square" rtlCol="0">
+            <a:spAutoFit/>
+          </a:bodyPr>
+          <a:lstStyle/>
+          <a:p>
+            <a:pPr algn="ctr"/>
+            <a:r>
+              <a:rPr lang="en-US" altLang="zh-CN" sz="2400" b="1" dirty="0" err="1">
+                <a:ln>
+                  <a:solidFill>
+                    <a:sysClr val="windowText" lastClr="000000"/>
+                  </a:solidFill>
+                </a:ln>
+                <a:effectLst/>
+                <a:latin typeface="Constantia" panose="02030602050306030303" pitchFamily="18" charset="0"/>
+              </a:rPr>
+              <a:t>Virtlet</a:t>
+            </a:r>
+            <a:endParaRPr lang="zh-CN" altLang="en-US" sz="2000" b="1" dirty="0">
+              <a:ln>
+                <a:solidFill>
+                  <a:sysClr val="windowText" lastClr="000000"/>
+                </a:solidFill>
+              </a:ln>
+              <a:effectLst/>
+              <a:latin typeface="Constantia" panose="02030602050306030303" pitchFamily="18" charset="0"/>
+            </a:endParaRPr>
+          </a:p>
+        </p:txBody>
+      </p:sp>
+      <p:sp>
+        <p:nvSpPr>
+          <p:cNvPr id="37" name="矩形 36">
+            <a:extLst>
+              <a:ext uri="{FF2B5EF4-FFF2-40B4-BE49-F238E27FC236}">
+                <a16:creationId xmlns:a16="http://schemas.microsoft.com/office/drawing/2014/main" id="{6685EDA9-EB6B-48AF-B3CF-29B4CC39B06E}"/>
+              </a:ext>
+            </a:extLst>
+          </p:cNvPr>
+          <p:cNvSpPr/>
+          <p:nvPr/>
+        </p:nvSpPr>
+        <p:spPr>
+          <a:xfrm>
+            <a:off x="1268028" y="1801591"/>
+            <a:ext cx="9605637" cy="317381"/>
+          </a:xfrm>
+          <a:prstGeom prst="rect">
+            <a:avLst/>
+          </a:prstGeom>
+          <a:solidFill>
+            <a:schemeClr val="accent6">
+              <a:lumMod val="40000"/>
+              <a:lumOff val="60000"/>
+            </a:schemeClr>
+          </a:solidFill>
+          <a:ln w="19050">
+            <a:solidFill>
+              <a:schemeClr val="tx1"/>
+            </a:solidFill>
+          </a:ln>
+          <a:effectLst/>
+        </p:spPr>
+        <p:style>
+          <a:lnRef idx="2">
+            <a:schemeClr val="accent1">
+              <a:shade val="50000"/>
+            </a:schemeClr>
+          </a:lnRef>
+          <a:fillRef idx="1">
+            <a:schemeClr val="accent1"/>
+          </a:fillRef>
+          <a:effectRef idx="0">
+            <a:schemeClr val="accent1"/>
+          </a:effectRef>
+          <a:fontRef idx="minor">
+            <a:schemeClr val="lt1"/>
+          </a:fontRef>
+        </p:style>
+        <p:txBody>
+          <a:bodyPr rtlCol="0" anchor="ctr"/>
+          <a:lstStyle/>
+          <a:p>
+            <a:pPr algn="ctr"/>
+            <a:r>
+              <a:rPr lang="en-US" altLang="zh-CN" sz="2000" dirty="0" err="1">
+                <a:ln>
+                  <a:solidFill>
+                    <a:sysClr val="windowText" lastClr="000000"/>
+                  </a:solidFill>
+                </a:ln>
+                <a:solidFill>
+                  <a:schemeClr val="tx1"/>
+                </a:solidFill>
+                <a:effectLst/>
+                <a:latin typeface="Constantia" panose="02030602050306030303" pitchFamily="18" charset="0"/>
+              </a:rPr>
+              <a:t>Kubenetes</a:t>
+            </a:r>
+            <a:r>
+              <a:rPr lang="en-US" altLang="zh-CN" sz="2000" dirty="0">
+                <a:ln>
+                  <a:solidFill>
+                    <a:sysClr val="windowText" lastClr="000000"/>
+                  </a:solidFill>
+                </a:ln>
+                <a:solidFill>
+                  <a:schemeClr val="tx1"/>
+                </a:solidFill>
+                <a:effectLst/>
+                <a:latin typeface="Constantia" panose="02030602050306030303" pitchFamily="18" charset="0"/>
+              </a:rPr>
+              <a:t> API Server</a:t>
+            </a:r>
+            <a:endParaRPr lang="zh-CN" altLang="en-US" sz="2000" dirty="0">
+              <a:ln>
+                <a:solidFill>
+                  <a:sysClr val="windowText" lastClr="000000"/>
+                </a:solidFill>
+              </a:ln>
+              <a:solidFill>
+                <a:schemeClr val="tx1"/>
+              </a:solidFill>
+              <a:effectLst/>
+              <a:latin typeface="Constantia" panose="02030602050306030303" pitchFamily="18" charset="0"/>
+            </a:endParaRPr>
+          </a:p>
+        </p:txBody>
+      </p:sp>
+      <p:cxnSp>
+        <p:nvCxnSpPr>
+          <p:cNvPr id="42" name="直接连接符 41">
+            <a:extLst>
+              <a:ext uri="{FF2B5EF4-FFF2-40B4-BE49-F238E27FC236}">
+                <a16:creationId xmlns:a16="http://schemas.microsoft.com/office/drawing/2014/main" id="{F47E1A69-567D-4AF5-85E9-930FE313AA8F}"/>
+              </a:ext>
+            </a:extLst>
+          </p:cNvPr>
+          <p:cNvCxnSpPr>
+            <a:cxnSpLocks/>
+          </p:cNvCxnSpPr>
+          <p:nvPr/>
+        </p:nvCxnSpPr>
+        <p:spPr>
+          <a:xfrm>
+            <a:off x="1949388" y="1483165"/>
+            <a:ext cx="0" cy="322579"/>
+          </a:xfrm>
+          <a:prstGeom prst="line">
+            <a:avLst/>
+          </a:prstGeom>
+          <a:ln w="19050">
+            <a:solidFill>
+              <a:schemeClr val="tx1"/>
+            </a:solidFill>
+            <a:prstDash val="solid"/>
+            <a:headEnd type="none" w="med" len="med"/>
+            <a:tailEnd type="arrow" w="med" len="med"/>
+          </a:ln>
+        </p:spPr>
+        <p:style>
+          <a:lnRef idx="1">
+            <a:schemeClr val="accent1"/>
+          </a:lnRef>
+          <a:fillRef idx="0">
+            <a:schemeClr val="accent1"/>
+          </a:fillRef>
+          <a:effectRef idx="0">
+            <a:schemeClr val="accent1"/>
+          </a:effectRef>
+          <a:fontRef idx="minor">
+            <a:schemeClr val="tx1"/>
+          </a:fontRef>
+        </p:style>
+      </p:cxnSp>
+      <p:cxnSp>
+        <p:nvCxnSpPr>
+          <p:cNvPr id="45" name="直接连接符 44">
+            <a:extLst>
+              <a:ext uri="{FF2B5EF4-FFF2-40B4-BE49-F238E27FC236}">
+                <a16:creationId xmlns:a16="http://schemas.microsoft.com/office/drawing/2014/main" id="{B4D6D723-69C6-4D6F-988B-2FCF9E412513}"/>
+              </a:ext>
+            </a:extLst>
+          </p:cNvPr>
+          <p:cNvCxnSpPr>
+            <a:cxnSpLocks/>
+            <a:endCxn id="8" idx="0"/>
+          </p:cNvCxnSpPr>
+          <p:nvPr/>
+        </p:nvCxnSpPr>
+        <p:spPr>
+          <a:xfrm flipH="1">
+            <a:off x="4559052" y="2118972"/>
+            <a:ext cx="2" cy="867734"/>
+          </a:xfrm>
+          <a:prstGeom prst="line">
+            <a:avLst/>
+          </a:prstGeom>
+          <a:ln w="19050">
+            <a:solidFill>
+              <a:schemeClr val="tx1"/>
+            </a:solidFill>
+            <a:prstDash val="solid"/>
+            <a:headEnd type="arrow" w="med" len="med"/>
+            <a:tailEnd type="none" w="med" len="med"/>
+          </a:ln>
+        </p:spPr>
+        <p:style>
+          <a:lnRef idx="1">
+            <a:schemeClr val="accent1"/>
+          </a:lnRef>
+          <a:fillRef idx="0">
+            <a:schemeClr val="accent1"/>
+          </a:fillRef>
+          <a:effectRef idx="0">
+            <a:schemeClr val="accent1"/>
+          </a:effectRef>
+          <a:fontRef idx="minor">
+            <a:schemeClr val="tx1"/>
+          </a:fontRef>
+        </p:style>
+      </p:cxnSp>
+      <p:sp>
+        <p:nvSpPr>
+          <p:cNvPr id="51" name="文本框 50">
+            <a:extLst>
+              <a:ext uri="{FF2B5EF4-FFF2-40B4-BE49-F238E27FC236}">
+                <a16:creationId xmlns:a16="http://schemas.microsoft.com/office/drawing/2014/main" id="{2869C4D4-BE5A-4566-AE6D-17F4AB521F06}"/>
+              </a:ext>
+            </a:extLst>
+          </p:cNvPr>
+          <p:cNvSpPr txBox="1"/>
+          <p:nvPr/>
+        </p:nvSpPr>
+        <p:spPr>
+          <a:xfrm>
+            <a:off x="4505298" y="2499600"/>
+            <a:ext cx="1577385" cy="369332"/>
+          </a:xfrm>
+          <a:prstGeom prst="rect">
+            <a:avLst/>
+          </a:prstGeom>
+          <a:noFill/>
+        </p:spPr>
+        <p:txBody>
+          <a:bodyPr wrap="square" rtlCol="0">
+            <a:spAutoFit/>
+          </a:bodyPr>
+          <a:lstStyle/>
+          <a:p>
+            <a:pPr algn="ctr"/>
+            <a:r>
+              <a:rPr lang="en-US" altLang="zh-CN" dirty="0">
+                <a:solidFill>
+                  <a:schemeClr val="accent2"/>
+                </a:solidFill>
+                <a:latin typeface="Times New Roman" panose="02020603050405020304" pitchFamily="18" charset="0"/>
+                <a:cs typeface="Times New Roman" panose="02020603050405020304" pitchFamily="18" charset="0"/>
+              </a:rPr>
+              <a:t>{</a:t>
+            </a:r>
+            <a:r>
+              <a:rPr lang="zh-CN" altLang="en-US" dirty="0">
+                <a:solidFill>
+                  <a:schemeClr val="accent2"/>
+                </a:solidFill>
+                <a:latin typeface="Times New Roman" panose="02020603050405020304" pitchFamily="18" charset="0"/>
+                <a:cs typeface="Times New Roman" panose="02020603050405020304" pitchFamily="18" charset="0"/>
+              </a:rPr>
+              <a:t>结果</a:t>
+            </a:r>
+            <a:r>
+              <a:rPr lang="en-US" altLang="zh-CN" dirty="0">
+                <a:solidFill>
+                  <a:schemeClr val="accent2"/>
+                </a:solidFill>
+                <a:latin typeface="Times New Roman" panose="02020603050405020304" pitchFamily="18" charset="0"/>
+                <a:cs typeface="Times New Roman" panose="02020603050405020304" pitchFamily="18" charset="0"/>
+              </a:rPr>
+              <a:t>, Json}</a:t>
+            </a:r>
+            <a:endParaRPr lang="zh-CN" altLang="en-US" dirty="0">
+              <a:solidFill>
+                <a:schemeClr val="accent2"/>
+              </a:solidFill>
+              <a:latin typeface="Times New Roman" panose="02020603050405020304" pitchFamily="18" charset="0"/>
+              <a:cs typeface="Times New Roman" panose="02020603050405020304" pitchFamily="18" charset="0"/>
+            </a:endParaRPr>
+          </a:p>
+        </p:txBody>
+      </p:sp>
+      <p:sp>
+        <p:nvSpPr>
+          <p:cNvPr id="64" name="文本框 63">
+            <a:extLst>
+              <a:ext uri="{FF2B5EF4-FFF2-40B4-BE49-F238E27FC236}">
+                <a16:creationId xmlns:a16="http://schemas.microsoft.com/office/drawing/2014/main" id="{28DF8124-F9CC-4AFB-AAAA-51604C3D1974}"/>
+              </a:ext>
+            </a:extLst>
+          </p:cNvPr>
+          <p:cNvSpPr txBox="1"/>
+          <p:nvPr/>
+        </p:nvSpPr>
+        <p:spPr>
+          <a:xfrm>
+            <a:off x="2889917" y="3907623"/>
+            <a:ext cx="959828" cy="369332"/>
+          </a:xfrm>
+          <a:prstGeom prst="rect">
+            <a:avLst/>
+          </a:prstGeom>
+          <a:noFill/>
+        </p:spPr>
+        <p:txBody>
+          <a:bodyPr wrap="square" rtlCol="0">
+            <a:spAutoFit/>
+          </a:bodyPr>
+          <a:lstStyle/>
+          <a:p>
+            <a:pPr algn="ctr"/>
+            <a:r>
+              <a:rPr lang="zh-CN" altLang="en-US" dirty="0">
+                <a:solidFill>
+                  <a:schemeClr val="accent2"/>
+                </a:solidFill>
+                <a:latin typeface="Times New Roman" panose="02020603050405020304" pitchFamily="18" charset="0"/>
+                <a:cs typeface="Times New Roman" panose="02020603050405020304" pitchFamily="18" charset="0"/>
+              </a:rPr>
+              <a:t>命令</a:t>
+            </a:r>
+          </a:p>
+        </p:txBody>
+      </p:sp>
+      <p:sp>
+        <p:nvSpPr>
+          <p:cNvPr id="85" name="矩形 84">
+            <a:extLst>
+              <a:ext uri="{FF2B5EF4-FFF2-40B4-BE49-F238E27FC236}">
+                <a16:creationId xmlns:a16="http://schemas.microsoft.com/office/drawing/2014/main" id="{FF394161-5417-443E-8987-E4ED6AF079F1}"/>
+              </a:ext>
+            </a:extLst>
+          </p:cNvPr>
+          <p:cNvSpPr/>
+          <p:nvPr/>
+        </p:nvSpPr>
+        <p:spPr>
+          <a:xfrm>
+            <a:off x="3818877" y="4909120"/>
+            <a:ext cx="1480349" cy="558188"/>
+          </a:xfrm>
+          <a:prstGeom prst="rect">
+            <a:avLst/>
+          </a:prstGeom>
+          <a:solidFill>
+            <a:srgbClr val="0070C0"/>
+          </a:solidFill>
+          <a:ln w="28575">
+            <a:solidFill>
+              <a:srgbClr val="FFFF00"/>
+            </a:solidFill>
+            <a:prstDash val="sysDash"/>
+          </a:ln>
+        </p:spPr>
+        <p:style>
+          <a:lnRef idx="2">
+            <a:schemeClr val="accent2">
+              <a:shade val="50000"/>
+            </a:schemeClr>
+          </a:lnRef>
+          <a:fillRef idx="1">
+            <a:schemeClr val="accent2"/>
+          </a:fillRef>
+          <a:effectRef idx="0">
+            <a:schemeClr val="accent2"/>
+          </a:effectRef>
+          <a:fontRef idx="minor">
+            <a:schemeClr val="lt1"/>
+          </a:fontRef>
+        </p:style>
+        <p:txBody>
+          <a:bodyPr rtlCol="0" anchor="ctr"/>
+          <a:lstStyle/>
+          <a:p>
+            <a:pPr algn="ctr"/>
+            <a:r>
+              <a:rPr lang="en-US" altLang="zh-CN" b="1" dirty="0">
+                <a:solidFill>
+                  <a:srgbClr val="FFFF00"/>
+                </a:solidFill>
+                <a:latin typeface="Times New Roman" panose="02020603050405020304" pitchFamily="18" charset="0"/>
+                <a:cs typeface="Times New Roman" panose="02020603050405020304" pitchFamily="18" charset="0"/>
+              </a:rPr>
+              <a:t>API</a:t>
+            </a:r>
+            <a:r>
+              <a:rPr lang="zh-CN" altLang="en-US" b="1" dirty="0">
+                <a:solidFill>
+                  <a:srgbClr val="FFFF00"/>
+                </a:solidFill>
+                <a:latin typeface="Times New Roman" panose="02020603050405020304" pitchFamily="18" charset="0"/>
+                <a:cs typeface="Times New Roman" panose="02020603050405020304" pitchFamily="18" charset="0"/>
+              </a:rPr>
+              <a:t>分析器</a:t>
+            </a:r>
+          </a:p>
+        </p:txBody>
+      </p:sp>
+      <p:sp>
+        <p:nvSpPr>
+          <p:cNvPr id="90" name="矩形 89">
+            <a:extLst>
+              <a:ext uri="{FF2B5EF4-FFF2-40B4-BE49-F238E27FC236}">
+                <a16:creationId xmlns:a16="http://schemas.microsoft.com/office/drawing/2014/main" id="{A4B4127D-AADA-433F-8D6F-AFF35A580C9A}"/>
+              </a:ext>
+            </a:extLst>
+          </p:cNvPr>
+          <p:cNvSpPr/>
+          <p:nvPr/>
+        </p:nvSpPr>
+        <p:spPr>
+          <a:xfrm>
+            <a:off x="656056" y="2499600"/>
+            <a:ext cx="1854995" cy="369332"/>
+          </a:xfrm>
+          <a:prstGeom prst="rect">
+            <a:avLst/>
+          </a:prstGeom>
+        </p:spPr>
+        <p:txBody>
+          <a:bodyPr wrap="none">
+            <a:spAutoFit/>
+          </a:bodyPr>
+          <a:lstStyle/>
+          <a:p>
+            <a:pPr algn="ctr"/>
+            <a:r>
+              <a:rPr lang="en-US" altLang="zh-CN" dirty="0">
+                <a:solidFill>
+                  <a:schemeClr val="accent2"/>
+                </a:solidFill>
+                <a:latin typeface="Times New Roman" panose="02020603050405020304" pitchFamily="18" charset="0"/>
+                <a:cs typeface="Times New Roman" panose="02020603050405020304" pitchFamily="18" charset="0"/>
+              </a:rPr>
+              <a:t>{</a:t>
+            </a:r>
+            <a:r>
+              <a:rPr lang="zh-CN" altLang="en-US" dirty="0">
+                <a:solidFill>
+                  <a:schemeClr val="accent2"/>
+                </a:solidFill>
+                <a:latin typeface="Times New Roman" panose="02020603050405020304" pitchFamily="18" charset="0"/>
+                <a:cs typeface="Times New Roman" panose="02020603050405020304" pitchFamily="18" charset="0"/>
+              </a:rPr>
+              <a:t>生命周期</a:t>
+            </a:r>
+            <a:r>
+              <a:rPr lang="en-US" altLang="zh-CN" dirty="0">
+                <a:solidFill>
+                  <a:schemeClr val="accent2"/>
+                </a:solidFill>
+                <a:latin typeface="Times New Roman" panose="02020603050405020304" pitchFamily="18" charset="0"/>
+                <a:cs typeface="Times New Roman" panose="02020603050405020304" pitchFamily="18" charset="0"/>
+              </a:rPr>
+              <a:t>, Json}</a:t>
+            </a:r>
+            <a:endParaRPr lang="zh-CN" altLang="en-US" dirty="0">
+              <a:solidFill>
+                <a:schemeClr val="accent2"/>
+              </a:solidFill>
+              <a:latin typeface="Times New Roman" panose="02020603050405020304" pitchFamily="18" charset="0"/>
+              <a:cs typeface="Times New Roman" panose="02020603050405020304" pitchFamily="18" charset="0"/>
+            </a:endParaRPr>
+          </a:p>
+        </p:txBody>
+      </p:sp>
+      <p:cxnSp>
+        <p:nvCxnSpPr>
+          <p:cNvPr id="95" name="直接连接符 94">
+            <a:extLst>
+              <a:ext uri="{FF2B5EF4-FFF2-40B4-BE49-F238E27FC236}">
+                <a16:creationId xmlns:a16="http://schemas.microsoft.com/office/drawing/2014/main" id="{8BE21ED6-BF8F-4B99-B752-8D483E4DAAD9}"/>
+              </a:ext>
+            </a:extLst>
+          </p:cNvPr>
+          <p:cNvCxnSpPr>
+            <a:cxnSpLocks/>
+            <a:stCxn id="8" idx="2"/>
+            <a:endCxn id="17" idx="0"/>
+          </p:cNvCxnSpPr>
+          <p:nvPr/>
+        </p:nvCxnSpPr>
+        <p:spPr>
+          <a:xfrm>
+            <a:off x="4559052" y="3555471"/>
+            <a:ext cx="0" cy="481951"/>
+          </a:xfrm>
+          <a:prstGeom prst="line">
+            <a:avLst/>
+          </a:prstGeom>
+          <a:ln w="19050">
+            <a:solidFill>
+              <a:schemeClr val="tx1"/>
+            </a:solidFill>
+            <a:prstDash val="solid"/>
+            <a:headEnd type="arrow" w="med" len="med"/>
+            <a:tailEnd type="none" w="med" len="med"/>
+          </a:ln>
+        </p:spPr>
+        <p:style>
+          <a:lnRef idx="1">
+            <a:schemeClr val="accent1"/>
+          </a:lnRef>
+          <a:fillRef idx="0">
+            <a:schemeClr val="accent1"/>
+          </a:fillRef>
+          <a:effectRef idx="0">
+            <a:schemeClr val="accent1"/>
+          </a:effectRef>
+          <a:fontRef idx="minor">
+            <a:schemeClr val="tx1"/>
+          </a:fontRef>
+        </p:style>
+      </p:cxnSp>
+      <p:sp>
+        <p:nvSpPr>
+          <p:cNvPr id="98" name="矩形 97">
+            <a:extLst>
+              <a:ext uri="{FF2B5EF4-FFF2-40B4-BE49-F238E27FC236}">
+                <a16:creationId xmlns:a16="http://schemas.microsoft.com/office/drawing/2014/main" id="{163063EA-B45A-407A-A4B1-ABBC850337A7}"/>
+              </a:ext>
+            </a:extLst>
+          </p:cNvPr>
+          <p:cNvSpPr/>
+          <p:nvPr/>
+        </p:nvSpPr>
+        <p:spPr>
+          <a:xfrm>
+            <a:off x="4638213" y="3645436"/>
+            <a:ext cx="1265106" cy="317381"/>
+          </a:xfrm>
+          <a:prstGeom prst="rect">
+            <a:avLst/>
+          </a:prstGeom>
+          <a:solidFill>
+            <a:schemeClr val="bg1"/>
+          </a:solidFill>
+          <a:ln>
+            <a:solidFill>
+              <a:schemeClr val="tx1"/>
+            </a:solidFill>
+          </a:ln>
+        </p:spPr>
+        <p:style>
+          <a:lnRef idx="2">
+            <a:schemeClr val="accent1">
+              <a:shade val="50000"/>
+            </a:schemeClr>
+          </a:lnRef>
+          <a:fillRef idx="1">
+            <a:schemeClr val="accent1"/>
+          </a:fillRef>
+          <a:effectRef idx="0">
+            <a:schemeClr val="accent1"/>
+          </a:effectRef>
+          <a:fontRef idx="minor">
+            <a:schemeClr val="lt1"/>
+          </a:fontRef>
+        </p:style>
+        <p:txBody>
+          <a:bodyPr rtlCol="0" anchor="ctr"/>
+          <a:lstStyle/>
+          <a:p>
+            <a:pPr algn="ctr"/>
+            <a:endParaRPr lang="zh-CN" altLang="en-US"/>
+          </a:p>
+        </p:txBody>
+      </p:sp>
+      <p:sp>
+        <p:nvSpPr>
+          <p:cNvPr id="99" name="文本框 98">
+            <a:extLst>
+              <a:ext uri="{FF2B5EF4-FFF2-40B4-BE49-F238E27FC236}">
+                <a16:creationId xmlns:a16="http://schemas.microsoft.com/office/drawing/2014/main" id="{676FE4C6-27C2-48D4-BE69-06118D994BFB}"/>
+              </a:ext>
+            </a:extLst>
+          </p:cNvPr>
+          <p:cNvSpPr txBox="1"/>
+          <p:nvPr/>
+        </p:nvSpPr>
+        <p:spPr>
+          <a:xfrm>
+            <a:off x="4497344" y="3611780"/>
+            <a:ext cx="1577385" cy="369332"/>
+          </a:xfrm>
+          <a:prstGeom prst="rect">
+            <a:avLst/>
+          </a:prstGeom>
+          <a:noFill/>
+        </p:spPr>
+        <p:txBody>
+          <a:bodyPr wrap="square" rtlCol="0">
+            <a:spAutoFit/>
+          </a:bodyPr>
+          <a:lstStyle/>
+          <a:p>
+            <a:pPr algn="ctr"/>
+            <a:r>
+              <a:rPr lang="en-US" altLang="zh-CN" dirty="0">
+                <a:solidFill>
+                  <a:schemeClr val="accent2"/>
+                </a:solidFill>
+                <a:latin typeface="Times New Roman" panose="02020603050405020304" pitchFamily="18" charset="0"/>
+                <a:cs typeface="Times New Roman" panose="02020603050405020304" pitchFamily="18" charset="0"/>
+              </a:rPr>
+              <a:t>{</a:t>
+            </a:r>
+            <a:r>
+              <a:rPr lang="zh-CN" altLang="en-US" dirty="0">
+                <a:solidFill>
+                  <a:schemeClr val="accent2"/>
+                </a:solidFill>
+                <a:latin typeface="Times New Roman" panose="02020603050405020304" pitchFamily="18" charset="0"/>
+                <a:cs typeface="Times New Roman" panose="02020603050405020304" pitchFamily="18" charset="0"/>
+              </a:rPr>
+              <a:t>结果</a:t>
+            </a:r>
+            <a:r>
+              <a:rPr lang="en-US" altLang="zh-CN" dirty="0">
+                <a:solidFill>
+                  <a:schemeClr val="accent2"/>
+                </a:solidFill>
+                <a:latin typeface="Times New Roman" panose="02020603050405020304" pitchFamily="18" charset="0"/>
+                <a:cs typeface="Times New Roman" panose="02020603050405020304" pitchFamily="18" charset="0"/>
+              </a:rPr>
+              <a:t>, Xml}</a:t>
+            </a:r>
+            <a:endParaRPr lang="zh-CN" altLang="en-US" dirty="0">
+              <a:solidFill>
+                <a:schemeClr val="accent2"/>
+              </a:solidFill>
+              <a:latin typeface="Times New Roman" panose="02020603050405020304" pitchFamily="18" charset="0"/>
+              <a:cs typeface="Times New Roman" panose="02020603050405020304" pitchFamily="18" charset="0"/>
+            </a:endParaRPr>
+          </a:p>
+        </p:txBody>
+      </p:sp>
+      <p:sp>
+        <p:nvSpPr>
+          <p:cNvPr id="100" name="矩形 99">
+            <a:extLst>
+              <a:ext uri="{FF2B5EF4-FFF2-40B4-BE49-F238E27FC236}">
+                <a16:creationId xmlns:a16="http://schemas.microsoft.com/office/drawing/2014/main" id="{35F87C5E-9898-46E2-AEE2-537F2468192A}"/>
+              </a:ext>
+            </a:extLst>
+          </p:cNvPr>
+          <p:cNvSpPr/>
+          <p:nvPr/>
+        </p:nvSpPr>
+        <p:spPr>
+          <a:xfrm>
+            <a:off x="1362456" y="4902509"/>
+            <a:ext cx="1577797" cy="545832"/>
+          </a:xfrm>
+          <a:prstGeom prst="rect">
+            <a:avLst/>
+          </a:prstGeom>
+          <a:solidFill>
+            <a:schemeClr val="tx1">
+              <a:lumMod val="65000"/>
+              <a:lumOff val="35000"/>
+            </a:schemeClr>
+          </a:solidFill>
+          <a:ln>
+            <a:solidFill>
+              <a:schemeClr val="tx1"/>
+            </a:solidFill>
+          </a:ln>
+        </p:spPr>
+        <p:style>
+          <a:lnRef idx="2">
+            <a:schemeClr val="accent2">
+              <a:shade val="50000"/>
+            </a:schemeClr>
+          </a:lnRef>
+          <a:fillRef idx="1">
+            <a:schemeClr val="accent2"/>
+          </a:fillRef>
+          <a:effectRef idx="0">
+            <a:schemeClr val="accent2"/>
+          </a:effectRef>
+          <a:fontRef idx="minor">
+            <a:schemeClr val="lt1"/>
+          </a:fontRef>
+        </p:style>
+        <p:txBody>
+          <a:bodyPr rtlCol="0" anchor="ctr"/>
+          <a:lstStyle/>
+          <a:p>
+            <a:pPr algn="ctr"/>
+            <a:r>
+              <a:rPr lang="zh-CN" altLang="en-US" dirty="0">
+                <a:solidFill>
+                  <a:schemeClr val="bg1"/>
+                </a:solidFill>
+                <a:latin typeface="Times New Roman" panose="02020603050405020304" pitchFamily="18" charset="0"/>
+                <a:cs typeface="Times New Roman" panose="02020603050405020304" pitchFamily="18" charset="0"/>
+              </a:rPr>
+              <a:t>配置中心</a:t>
+            </a:r>
+            <a:r>
+              <a:rPr lang="en-US" altLang="zh-CN" sz="1600" dirty="0">
+                <a:solidFill>
+                  <a:schemeClr val="bg2">
+                    <a:lumMod val="90000"/>
+                  </a:schemeClr>
+                </a:solidFill>
+                <a:latin typeface="Times New Roman" panose="02020603050405020304" pitchFamily="18" charset="0"/>
+                <a:cs typeface="Times New Roman" panose="02020603050405020304" pitchFamily="18" charset="0"/>
+              </a:rPr>
+              <a:t>&lt;</a:t>
+            </a:r>
+            <a:r>
+              <a:rPr lang="en-US" altLang="zh-CN" sz="1600" dirty="0" err="1">
+                <a:solidFill>
+                  <a:schemeClr val="bg2">
+                    <a:lumMod val="90000"/>
+                  </a:schemeClr>
+                </a:solidFill>
+                <a:latin typeface="Times New Roman" panose="02020603050405020304" pitchFamily="18" charset="0"/>
+                <a:cs typeface="Times New Roman" panose="02020603050405020304" pitchFamily="18" charset="0"/>
+              </a:rPr>
+              <a:t>default.cfg</a:t>
+            </a:r>
+            <a:r>
+              <a:rPr lang="en-US" altLang="zh-CN" sz="1600" dirty="0">
+                <a:solidFill>
+                  <a:schemeClr val="bg2">
+                    <a:lumMod val="90000"/>
+                  </a:schemeClr>
+                </a:solidFill>
+                <a:latin typeface="Times New Roman" panose="02020603050405020304" pitchFamily="18" charset="0"/>
+                <a:cs typeface="Times New Roman" panose="02020603050405020304" pitchFamily="18" charset="0"/>
+              </a:rPr>
+              <a:t>&gt;</a:t>
+            </a:r>
+            <a:endParaRPr lang="zh-CN" altLang="en-US" sz="1600" dirty="0">
+              <a:solidFill>
+                <a:schemeClr val="bg2">
+                  <a:lumMod val="90000"/>
+                </a:schemeClr>
+              </a:solidFill>
+              <a:latin typeface="Times New Roman" panose="02020603050405020304" pitchFamily="18" charset="0"/>
+              <a:cs typeface="Times New Roman" panose="02020603050405020304" pitchFamily="18" charset="0"/>
+            </a:endParaRPr>
+          </a:p>
+        </p:txBody>
+      </p:sp>
+      <p:cxnSp>
+        <p:nvCxnSpPr>
+          <p:cNvPr id="111" name="直接连接符 110">
+            <a:extLst>
+              <a:ext uri="{FF2B5EF4-FFF2-40B4-BE49-F238E27FC236}">
+                <a16:creationId xmlns:a16="http://schemas.microsoft.com/office/drawing/2014/main" id="{E445599C-DAA0-4648-915F-AE8CB68E2F6F}"/>
+              </a:ext>
+            </a:extLst>
+          </p:cNvPr>
+          <p:cNvCxnSpPr>
+            <a:cxnSpLocks/>
+            <a:stCxn id="100" idx="0"/>
+            <a:endCxn id="4" idx="2"/>
+          </p:cNvCxnSpPr>
+          <p:nvPr/>
+        </p:nvCxnSpPr>
+        <p:spPr>
+          <a:xfrm flipV="1">
+            <a:off x="2151355" y="4598646"/>
+            <a:ext cx="0" cy="303863"/>
+          </a:xfrm>
+          <a:prstGeom prst="line">
+            <a:avLst/>
+          </a:prstGeom>
+          <a:ln w="19050">
+            <a:solidFill>
+              <a:schemeClr val="tx1"/>
+            </a:solidFill>
+            <a:prstDash val="solid"/>
+            <a:headEnd type="arrow" w="med" len="med"/>
+            <a:tailEnd type="arrow" w="med" len="med"/>
+          </a:ln>
+        </p:spPr>
+        <p:style>
+          <a:lnRef idx="1">
+            <a:schemeClr val="accent1"/>
+          </a:lnRef>
+          <a:fillRef idx="0">
+            <a:schemeClr val="accent1"/>
+          </a:fillRef>
+          <a:effectRef idx="0">
+            <a:schemeClr val="accent1"/>
+          </a:effectRef>
+          <a:fontRef idx="minor">
+            <a:schemeClr val="tx1"/>
+          </a:fontRef>
+        </p:style>
+      </p:cxnSp>
+      <p:sp>
+        <p:nvSpPr>
+          <p:cNvPr id="120" name="矩形 119">
+            <a:extLst>
+              <a:ext uri="{FF2B5EF4-FFF2-40B4-BE49-F238E27FC236}">
+                <a16:creationId xmlns:a16="http://schemas.microsoft.com/office/drawing/2014/main" id="{876067F0-6CC0-4C4A-A156-B1784EB8F13E}"/>
+              </a:ext>
+            </a:extLst>
+          </p:cNvPr>
+          <p:cNvSpPr/>
+          <p:nvPr/>
+        </p:nvSpPr>
+        <p:spPr>
+          <a:xfrm>
+            <a:off x="2258846" y="4647190"/>
+            <a:ext cx="706027" cy="201901"/>
+          </a:xfrm>
+          <a:prstGeom prst="rect">
+            <a:avLst/>
+          </a:prstGeom>
+          <a:solidFill>
+            <a:schemeClr val="bg1"/>
+          </a:solidFill>
+          <a:ln>
+            <a:solidFill>
+              <a:schemeClr val="tx1"/>
+            </a:solidFill>
+          </a:ln>
+        </p:spPr>
+        <p:style>
+          <a:lnRef idx="2">
+            <a:schemeClr val="accent1">
+              <a:shade val="50000"/>
+            </a:schemeClr>
+          </a:lnRef>
+          <a:fillRef idx="1">
+            <a:schemeClr val="accent1"/>
+          </a:fillRef>
+          <a:effectRef idx="0">
+            <a:schemeClr val="accent1"/>
+          </a:effectRef>
+          <a:fontRef idx="minor">
+            <a:schemeClr val="lt1"/>
+          </a:fontRef>
+        </p:style>
+        <p:txBody>
+          <a:bodyPr rtlCol="0" anchor="ctr"/>
+          <a:lstStyle/>
+          <a:p>
+            <a:pPr algn="ctr"/>
+            <a:endParaRPr lang="zh-CN" altLang="en-US"/>
+          </a:p>
+        </p:txBody>
+      </p:sp>
+      <p:sp>
+        <p:nvSpPr>
+          <p:cNvPr id="121" name="文本框 120">
+            <a:extLst>
+              <a:ext uri="{FF2B5EF4-FFF2-40B4-BE49-F238E27FC236}">
+                <a16:creationId xmlns:a16="http://schemas.microsoft.com/office/drawing/2014/main" id="{1BC58B54-3A1C-416A-8696-165EA2A30B41}"/>
+              </a:ext>
+            </a:extLst>
+          </p:cNvPr>
+          <p:cNvSpPr txBox="1"/>
+          <p:nvPr/>
+        </p:nvSpPr>
+        <p:spPr>
+          <a:xfrm>
+            <a:off x="2138191" y="4585222"/>
+            <a:ext cx="959828" cy="307777"/>
+          </a:xfrm>
+          <a:prstGeom prst="rect">
+            <a:avLst/>
+          </a:prstGeom>
+          <a:noFill/>
+        </p:spPr>
+        <p:txBody>
+          <a:bodyPr wrap="square" rtlCol="0">
+            <a:spAutoFit/>
+          </a:bodyPr>
+          <a:lstStyle/>
+          <a:p>
+            <a:pPr algn="ctr"/>
+            <a:r>
+              <a:rPr lang="zh-CN" altLang="en-US" sz="1400" dirty="0">
+                <a:solidFill>
+                  <a:schemeClr val="accent2"/>
+                </a:solidFill>
+                <a:latin typeface="Times New Roman" panose="02020603050405020304" pitchFamily="18" charset="0"/>
+                <a:cs typeface="Times New Roman" panose="02020603050405020304" pitchFamily="18" charset="0"/>
+              </a:rPr>
+              <a:t>映射</a:t>
+            </a:r>
+          </a:p>
+        </p:txBody>
+      </p:sp>
+      <p:cxnSp>
+        <p:nvCxnSpPr>
+          <p:cNvPr id="122" name="直接连接符 121">
+            <a:extLst>
+              <a:ext uri="{FF2B5EF4-FFF2-40B4-BE49-F238E27FC236}">
+                <a16:creationId xmlns:a16="http://schemas.microsoft.com/office/drawing/2014/main" id="{EC3E2D48-8CB3-48AF-8639-A10B466B308E}"/>
+              </a:ext>
+            </a:extLst>
+          </p:cNvPr>
+          <p:cNvCxnSpPr>
+            <a:cxnSpLocks/>
+            <a:stCxn id="85" idx="0"/>
+            <a:endCxn id="17" idx="2"/>
+          </p:cNvCxnSpPr>
+          <p:nvPr/>
+        </p:nvCxnSpPr>
+        <p:spPr>
+          <a:xfrm flipV="1">
+            <a:off x="4559052" y="4595610"/>
+            <a:ext cx="0" cy="313510"/>
+          </a:xfrm>
+          <a:prstGeom prst="line">
+            <a:avLst/>
+          </a:prstGeom>
+          <a:ln w="19050">
+            <a:solidFill>
+              <a:schemeClr val="tx1"/>
+            </a:solidFill>
+            <a:prstDash val="solid"/>
+            <a:headEnd type="arrow" w="med" len="med"/>
+            <a:tailEnd type="arrow" w="med" len="med"/>
+          </a:ln>
+        </p:spPr>
+        <p:style>
+          <a:lnRef idx="1">
+            <a:schemeClr val="accent1"/>
+          </a:lnRef>
+          <a:fillRef idx="0">
+            <a:schemeClr val="accent1"/>
+          </a:fillRef>
+          <a:effectRef idx="0">
+            <a:schemeClr val="accent1"/>
+          </a:effectRef>
+          <a:fontRef idx="minor">
+            <a:schemeClr val="tx1"/>
+          </a:fontRef>
+        </p:style>
+      </p:cxnSp>
+      <p:sp>
+        <p:nvSpPr>
+          <p:cNvPr id="125" name="矩形 124">
+            <a:extLst>
+              <a:ext uri="{FF2B5EF4-FFF2-40B4-BE49-F238E27FC236}">
+                <a16:creationId xmlns:a16="http://schemas.microsoft.com/office/drawing/2014/main" id="{E545BC38-509C-4CA8-9D2A-65A7E99F7D19}"/>
+              </a:ext>
+            </a:extLst>
+          </p:cNvPr>
+          <p:cNvSpPr/>
+          <p:nvPr/>
+        </p:nvSpPr>
+        <p:spPr>
+          <a:xfrm>
+            <a:off x="1268027" y="5779579"/>
+            <a:ext cx="6776845" cy="317381"/>
+          </a:xfrm>
+          <a:prstGeom prst="rect">
+            <a:avLst/>
+          </a:prstGeom>
+          <a:solidFill>
+            <a:schemeClr val="accent4">
+              <a:lumMod val="20000"/>
+              <a:lumOff val="80000"/>
+            </a:schemeClr>
+          </a:solidFill>
+          <a:ln w="19050">
+            <a:solidFill>
+              <a:schemeClr val="tx1"/>
+            </a:solidFill>
+          </a:ln>
+          <a:effectLst/>
+        </p:spPr>
+        <p:style>
+          <a:lnRef idx="2">
+            <a:schemeClr val="accent1">
+              <a:shade val="50000"/>
+            </a:schemeClr>
+          </a:lnRef>
+          <a:fillRef idx="1">
+            <a:schemeClr val="accent1"/>
+          </a:fillRef>
+          <a:effectRef idx="0">
+            <a:schemeClr val="accent1"/>
+          </a:effectRef>
+          <a:fontRef idx="minor">
+            <a:schemeClr val="lt1"/>
+          </a:fontRef>
+        </p:style>
+        <p:txBody>
+          <a:bodyPr rtlCol="0" anchor="ctr"/>
+          <a:lstStyle/>
+          <a:p>
+            <a:pPr algn="ctr"/>
+            <a:r>
+              <a:rPr lang="zh-CN" altLang="en-US" sz="2000" dirty="0">
+                <a:ln>
+                  <a:solidFill>
+                    <a:sysClr val="windowText" lastClr="000000"/>
+                  </a:solidFill>
+                </a:ln>
+                <a:solidFill>
+                  <a:schemeClr val="tx1"/>
+                </a:solidFill>
+                <a:latin typeface="Constantia" panose="02030602050306030303" pitchFamily="18" charset="0"/>
+              </a:rPr>
+              <a:t>虚拟机监听器</a:t>
+            </a:r>
+            <a:endParaRPr lang="zh-CN" altLang="en-US" sz="2000" dirty="0">
+              <a:ln>
+                <a:solidFill>
+                  <a:sysClr val="windowText" lastClr="000000"/>
+                </a:solidFill>
+              </a:ln>
+              <a:solidFill>
+                <a:schemeClr val="tx1"/>
+              </a:solidFill>
+              <a:effectLst/>
+              <a:latin typeface="Constantia" panose="02030602050306030303" pitchFamily="18" charset="0"/>
+            </a:endParaRPr>
+          </a:p>
+        </p:txBody>
+      </p:sp>
+      <p:cxnSp>
+        <p:nvCxnSpPr>
+          <p:cNvPr id="128" name="直接连接符 127">
+            <a:extLst>
+              <a:ext uri="{FF2B5EF4-FFF2-40B4-BE49-F238E27FC236}">
+                <a16:creationId xmlns:a16="http://schemas.microsoft.com/office/drawing/2014/main" id="{8E3C0A2B-2764-4D35-B02F-33828FDB0347}"/>
+              </a:ext>
+            </a:extLst>
+          </p:cNvPr>
+          <p:cNvCxnSpPr>
+            <a:cxnSpLocks/>
+            <a:stCxn id="85" idx="2"/>
+          </p:cNvCxnSpPr>
+          <p:nvPr/>
+        </p:nvCxnSpPr>
+        <p:spPr>
+          <a:xfrm>
+            <a:off x="4559052" y="5467308"/>
+            <a:ext cx="0" cy="312271"/>
+          </a:xfrm>
+          <a:prstGeom prst="line">
+            <a:avLst/>
+          </a:prstGeom>
+          <a:ln w="28575">
+            <a:solidFill>
+              <a:schemeClr val="tx1"/>
+            </a:solidFill>
+            <a:prstDash val="sysDot"/>
+            <a:headEnd type="none" w="med" len="med"/>
+            <a:tailEnd type="none" w="med" len="med"/>
+          </a:ln>
+        </p:spPr>
+        <p:style>
+          <a:lnRef idx="1">
+            <a:schemeClr val="accent1"/>
+          </a:lnRef>
+          <a:fillRef idx="0">
+            <a:schemeClr val="accent1"/>
+          </a:fillRef>
+          <a:effectRef idx="0">
+            <a:schemeClr val="accent1"/>
+          </a:effectRef>
+          <a:fontRef idx="minor">
+            <a:schemeClr val="tx1"/>
+          </a:fontRef>
+        </p:style>
+      </p:cxnSp>
+      <p:sp>
+        <p:nvSpPr>
+          <p:cNvPr id="133" name="矩形: 圆角 132">
+            <a:extLst>
+              <a:ext uri="{FF2B5EF4-FFF2-40B4-BE49-F238E27FC236}">
+                <a16:creationId xmlns:a16="http://schemas.microsoft.com/office/drawing/2014/main" id="{4339C1AD-19B5-4407-9400-8DA1D5418925}"/>
+              </a:ext>
+            </a:extLst>
+          </p:cNvPr>
+          <p:cNvSpPr/>
+          <p:nvPr/>
+        </p:nvSpPr>
+        <p:spPr>
+          <a:xfrm>
+            <a:off x="6558035" y="2986705"/>
+            <a:ext cx="1642368" cy="561275"/>
+          </a:xfrm>
+          <a:prstGeom prst="roundRect">
+            <a:avLst/>
+          </a:prstGeom>
+          <a:solidFill>
+            <a:schemeClr val="bg1">
+              <a:lumMod val="85000"/>
+            </a:schemeClr>
+          </a:solidFill>
+          <a:ln>
+            <a:solidFill>
+              <a:schemeClr val="tx1"/>
+            </a:solidFill>
+          </a:ln>
+        </p:spPr>
+        <p:style>
+          <a:lnRef idx="2">
+            <a:schemeClr val="accent1">
+              <a:shade val="50000"/>
+            </a:schemeClr>
+          </a:lnRef>
+          <a:fillRef idx="1">
+            <a:schemeClr val="accent1"/>
+          </a:fillRef>
+          <a:effectRef idx="0">
+            <a:schemeClr val="accent1"/>
+          </a:effectRef>
+          <a:fontRef idx="minor">
+            <a:schemeClr val="lt1"/>
+          </a:fontRef>
+        </p:style>
+        <p:txBody>
+          <a:bodyPr rtlCol="0" anchor="ctr"/>
+          <a:lstStyle/>
+          <a:p>
+            <a:pPr algn="ctr"/>
+            <a:r>
+              <a:rPr lang="zh-CN" altLang="en-US" sz="2000" dirty="0">
+                <a:solidFill>
+                  <a:schemeClr val="tx1"/>
+                </a:solidFill>
+                <a:latin typeface="Times New Roman" panose="02020603050405020304" pitchFamily="18" charset="0"/>
+                <a:cs typeface="Times New Roman" panose="02020603050405020304" pitchFamily="18" charset="0"/>
+              </a:rPr>
+              <a:t>状态报告器</a:t>
+            </a:r>
+          </a:p>
+        </p:txBody>
+      </p:sp>
+      <p:sp>
+        <p:nvSpPr>
+          <p:cNvPr id="134" name="矩形 133">
+            <a:extLst>
+              <a:ext uri="{FF2B5EF4-FFF2-40B4-BE49-F238E27FC236}">
+                <a16:creationId xmlns:a16="http://schemas.microsoft.com/office/drawing/2014/main" id="{88688CFB-BB16-4C3E-8B59-61A405F2628C}"/>
+              </a:ext>
+            </a:extLst>
+          </p:cNvPr>
+          <p:cNvSpPr/>
+          <p:nvPr/>
+        </p:nvSpPr>
+        <p:spPr>
+          <a:xfrm>
+            <a:off x="1268028" y="6195937"/>
+            <a:ext cx="10039089" cy="317381"/>
+          </a:xfrm>
+          <a:prstGeom prst="rect">
+            <a:avLst/>
+          </a:prstGeom>
+          <a:solidFill>
+            <a:schemeClr val="accent2">
+              <a:lumMod val="20000"/>
+              <a:lumOff val="80000"/>
+            </a:schemeClr>
+          </a:solidFill>
+          <a:ln w="19050">
+            <a:solidFill>
+              <a:schemeClr val="tx1"/>
+            </a:solidFill>
+          </a:ln>
+          <a:effectLst/>
+        </p:spPr>
+        <p:style>
+          <a:lnRef idx="2">
+            <a:schemeClr val="accent1">
+              <a:shade val="50000"/>
+            </a:schemeClr>
+          </a:lnRef>
+          <a:fillRef idx="1">
+            <a:schemeClr val="accent1"/>
+          </a:fillRef>
+          <a:effectRef idx="0">
+            <a:schemeClr val="accent1"/>
+          </a:effectRef>
+          <a:fontRef idx="minor">
+            <a:schemeClr val="lt1"/>
+          </a:fontRef>
+        </p:style>
+        <p:txBody>
+          <a:bodyPr rtlCol="0" anchor="ctr"/>
+          <a:lstStyle/>
+          <a:p>
+            <a:pPr algn="ctr"/>
+            <a:r>
+              <a:rPr lang="zh-CN" altLang="en-US" sz="2000">
+                <a:ln>
+                  <a:solidFill>
+                    <a:sysClr val="windowText" lastClr="000000"/>
+                  </a:solidFill>
+                </a:ln>
+                <a:solidFill>
+                  <a:schemeClr val="tx1"/>
+                </a:solidFill>
+                <a:effectLst/>
+                <a:latin typeface="Constantia" panose="02030602050306030303" pitchFamily="18" charset="0"/>
+              </a:rPr>
+              <a:t>宿主机</a:t>
+            </a:r>
+            <a:endParaRPr lang="zh-CN" altLang="en-US" sz="2000" dirty="0">
+              <a:ln>
+                <a:solidFill>
+                  <a:sysClr val="windowText" lastClr="000000"/>
+                </a:solidFill>
+              </a:ln>
+              <a:solidFill>
+                <a:schemeClr val="tx1"/>
+              </a:solidFill>
+              <a:effectLst/>
+              <a:latin typeface="Constantia" panose="02030602050306030303" pitchFamily="18" charset="0"/>
+            </a:endParaRPr>
+          </a:p>
+        </p:txBody>
+      </p:sp>
+      <p:sp>
+        <p:nvSpPr>
+          <p:cNvPr id="135" name="矩形 134">
+            <a:extLst>
+              <a:ext uri="{FF2B5EF4-FFF2-40B4-BE49-F238E27FC236}">
+                <a16:creationId xmlns:a16="http://schemas.microsoft.com/office/drawing/2014/main" id="{CEF08223-367F-4FD8-B2C8-7381808E2F96}"/>
+              </a:ext>
+            </a:extLst>
+          </p:cNvPr>
+          <p:cNvSpPr/>
+          <p:nvPr/>
+        </p:nvSpPr>
+        <p:spPr>
+          <a:xfrm>
+            <a:off x="9568513" y="4891686"/>
+            <a:ext cx="1542832" cy="558188"/>
+          </a:xfrm>
+          <a:prstGeom prst="rect">
+            <a:avLst/>
+          </a:prstGeom>
+          <a:solidFill>
+            <a:schemeClr val="accent2">
+              <a:lumMod val="75000"/>
+            </a:schemeClr>
+          </a:solidFill>
+          <a:ln w="28575">
+            <a:solidFill>
+              <a:srgbClr val="FFFF00"/>
+            </a:solidFill>
+            <a:prstDash val="sysDash"/>
+          </a:ln>
+        </p:spPr>
+        <p:style>
+          <a:lnRef idx="2">
+            <a:schemeClr val="accent2">
+              <a:shade val="50000"/>
+            </a:schemeClr>
+          </a:lnRef>
+          <a:fillRef idx="1">
+            <a:schemeClr val="accent2"/>
+          </a:fillRef>
+          <a:effectRef idx="0">
+            <a:schemeClr val="accent2"/>
+          </a:effectRef>
+          <a:fontRef idx="minor">
+            <a:schemeClr val="lt1"/>
+          </a:fontRef>
+        </p:style>
+        <p:txBody>
+          <a:bodyPr rot="0" spcFirstLastPara="0" vertOverflow="overflow" horzOverflow="overflow" vert="horz" wrap="square" lIns="91440" tIns="45720" rIns="91440" bIns="45720" numCol="1" spcCol="0" rtlCol="0" fromWordArt="0" anchor="ctr" anchorCtr="0" forceAA="0" compatLnSpc="1">
+            <a:prstTxWarp prst="textNoShape">
+              <a:avLst/>
+            </a:prstTxWarp>
+            <a:noAutofit/>
+          </a:bodyPr>
+          <a:lstStyle/>
+          <a:p>
+            <a:pPr algn="ctr"/>
+            <a:r>
+              <a:rPr lang="zh-CN" altLang="en-US" b="1" dirty="0">
+                <a:solidFill>
+                  <a:srgbClr val="FFFF00"/>
+                </a:solidFill>
+                <a:latin typeface="Times New Roman" panose="02020603050405020304" pitchFamily="18" charset="0"/>
+                <a:cs typeface="Times New Roman" panose="02020603050405020304" pitchFamily="18" charset="0"/>
+              </a:rPr>
+              <a:t>系统命令</a:t>
+            </a:r>
+          </a:p>
+        </p:txBody>
+      </p:sp>
+      <p:sp>
+        <p:nvSpPr>
+          <p:cNvPr id="139" name="矩形 138">
+            <a:extLst>
+              <a:ext uri="{FF2B5EF4-FFF2-40B4-BE49-F238E27FC236}">
+                <a16:creationId xmlns:a16="http://schemas.microsoft.com/office/drawing/2014/main" id="{3E26FB65-CE53-488E-BBD6-CAF49F0044A4}"/>
+              </a:ext>
+            </a:extLst>
+          </p:cNvPr>
+          <p:cNvSpPr/>
+          <p:nvPr/>
+        </p:nvSpPr>
+        <p:spPr>
+          <a:xfrm>
+            <a:off x="6639044" y="4909120"/>
+            <a:ext cx="1480349" cy="558188"/>
+          </a:xfrm>
+          <a:prstGeom prst="rect">
+            <a:avLst/>
+          </a:prstGeom>
+          <a:solidFill>
+            <a:srgbClr val="0070C0"/>
+          </a:solidFill>
+          <a:ln w="28575">
+            <a:solidFill>
+              <a:srgbClr val="FFFF00"/>
+            </a:solidFill>
+            <a:prstDash val="sysDash"/>
+          </a:ln>
+        </p:spPr>
+        <p:style>
+          <a:lnRef idx="2">
+            <a:schemeClr val="accent2">
+              <a:shade val="50000"/>
+            </a:schemeClr>
+          </a:lnRef>
+          <a:fillRef idx="1">
+            <a:schemeClr val="accent2"/>
+          </a:fillRef>
+          <a:effectRef idx="0">
+            <a:schemeClr val="accent2"/>
+          </a:effectRef>
+          <a:fontRef idx="minor">
+            <a:schemeClr val="lt1"/>
+          </a:fontRef>
+        </p:style>
+        <p:txBody>
+          <a:bodyPr rtlCol="0" anchor="ctr"/>
+          <a:lstStyle/>
+          <a:p>
+            <a:pPr algn="ctr"/>
+            <a:r>
+              <a:rPr lang="en-US" altLang="zh-CN" b="1" dirty="0">
+                <a:solidFill>
+                  <a:srgbClr val="FFFF00"/>
+                </a:solidFill>
+                <a:latin typeface="Times New Roman" panose="02020603050405020304" pitchFamily="18" charset="0"/>
+                <a:cs typeface="Times New Roman" panose="02020603050405020304" pitchFamily="18" charset="0"/>
+              </a:rPr>
+              <a:t>API</a:t>
+            </a:r>
+            <a:r>
+              <a:rPr lang="zh-CN" altLang="en-US" b="1" dirty="0">
+                <a:solidFill>
+                  <a:srgbClr val="FFFF00"/>
+                </a:solidFill>
+                <a:latin typeface="Times New Roman" panose="02020603050405020304" pitchFamily="18" charset="0"/>
+                <a:cs typeface="Times New Roman" panose="02020603050405020304" pitchFamily="18" charset="0"/>
+              </a:rPr>
+              <a:t>分析器</a:t>
+            </a:r>
+          </a:p>
+        </p:txBody>
+      </p:sp>
+      <p:sp>
+        <p:nvSpPr>
+          <p:cNvPr id="144" name="箭头: 左弧形 143">
+            <a:extLst>
+              <a:ext uri="{FF2B5EF4-FFF2-40B4-BE49-F238E27FC236}">
+                <a16:creationId xmlns:a16="http://schemas.microsoft.com/office/drawing/2014/main" id="{9AE91237-84CE-4D56-928A-57EC745875FB}"/>
+              </a:ext>
+            </a:extLst>
+          </p:cNvPr>
+          <p:cNvSpPr/>
+          <p:nvPr/>
+        </p:nvSpPr>
+        <p:spPr>
+          <a:xfrm>
+            <a:off x="9866008" y="5521911"/>
+            <a:ext cx="468573" cy="590091"/>
+          </a:xfrm>
+          <a:prstGeom prst="curvedRightArrow">
+            <a:avLst/>
+          </a:prstGeom>
+          <a:solidFill>
+            <a:schemeClr val="bg2">
+              <a:lumMod val="90000"/>
+            </a:schemeClr>
+          </a:solidFill>
+          <a:ln>
+            <a:solidFill>
+              <a:schemeClr val="tx1"/>
+            </a:solidFill>
+          </a:ln>
+          <a:effectLst>
+            <a:outerShdw blurRad="50800" dist="38100" dir="2700000" algn="tl" rotWithShape="0">
+              <a:prstClr val="black">
+                <a:alpha val="40000"/>
+              </a:prstClr>
+            </a:outerShdw>
+          </a:effectLst>
+        </p:spPr>
+        <p:style>
+          <a:lnRef idx="2">
+            <a:schemeClr val="accent1">
+              <a:shade val="50000"/>
+            </a:schemeClr>
+          </a:lnRef>
+          <a:fillRef idx="1">
+            <a:schemeClr val="accent1"/>
+          </a:fillRef>
+          <a:effectRef idx="0">
+            <a:schemeClr val="accent1"/>
+          </a:effectRef>
+          <a:fontRef idx="minor">
+            <a:schemeClr val="lt1"/>
+          </a:fontRef>
+        </p:style>
+        <p:txBody>
+          <a:bodyPr rot="0" spcFirstLastPara="0" vertOverflow="overflow" horzOverflow="overflow" vert="horz" wrap="square" lIns="91440" tIns="45720" rIns="91440" bIns="45720" numCol="1" spcCol="0" rtlCol="0" fromWordArt="0" anchor="ctr" anchorCtr="0" forceAA="0" compatLnSpc="1">
+            <a:prstTxWarp prst="textNoShape">
+              <a:avLst/>
+            </a:prstTxWarp>
+            <a:noAutofit/>
+          </a:bodyPr>
+          <a:lstStyle/>
+          <a:p>
+            <a:pPr algn="ctr"/>
+            <a:endParaRPr lang="zh-CN" altLang="en-US">
+              <a:solidFill>
+                <a:schemeClr val="tx1"/>
+              </a:solidFill>
+            </a:endParaRPr>
+          </a:p>
+        </p:txBody>
+      </p:sp>
+      <p:sp>
+        <p:nvSpPr>
+          <p:cNvPr id="145" name="箭头: 左弧形 144">
+            <a:extLst>
+              <a:ext uri="{FF2B5EF4-FFF2-40B4-BE49-F238E27FC236}">
+                <a16:creationId xmlns:a16="http://schemas.microsoft.com/office/drawing/2014/main" id="{E53FB1B6-BCA7-428E-80F6-5DC9C350F33E}"/>
+              </a:ext>
+            </a:extLst>
+          </p:cNvPr>
+          <p:cNvSpPr/>
+          <p:nvPr/>
+        </p:nvSpPr>
+        <p:spPr>
+          <a:xfrm rot="10800000">
+            <a:off x="10405092" y="5521911"/>
+            <a:ext cx="468573" cy="590091"/>
+          </a:xfrm>
+          <a:prstGeom prst="curvedRightArrow">
+            <a:avLst/>
+          </a:prstGeom>
+          <a:solidFill>
+            <a:schemeClr val="bg2">
+              <a:lumMod val="90000"/>
+            </a:schemeClr>
+          </a:solidFill>
+          <a:ln>
+            <a:solidFill>
+              <a:schemeClr val="tx1"/>
+            </a:solidFill>
+          </a:ln>
+          <a:effectLst>
+            <a:outerShdw blurRad="50800" dist="38100" dir="2700000" algn="tl" rotWithShape="0">
+              <a:prstClr val="black">
+                <a:alpha val="40000"/>
+              </a:prstClr>
+            </a:outerShdw>
+          </a:effectLst>
+        </p:spPr>
+        <p:style>
+          <a:lnRef idx="2">
+            <a:schemeClr val="accent1">
+              <a:shade val="50000"/>
+            </a:schemeClr>
+          </a:lnRef>
+          <a:fillRef idx="1">
+            <a:schemeClr val="accent1"/>
+          </a:fillRef>
+          <a:effectRef idx="0">
+            <a:schemeClr val="accent1"/>
+          </a:effectRef>
+          <a:fontRef idx="minor">
+            <a:schemeClr val="lt1"/>
+          </a:fontRef>
+        </p:style>
+        <p:txBody>
+          <a:bodyPr rot="0" spcFirstLastPara="0" vertOverflow="overflow" horzOverflow="overflow" vert="horz" wrap="square" lIns="91440" tIns="45720" rIns="91440" bIns="45720" numCol="1" spcCol="0" rtlCol="0" fromWordArt="0" anchor="ctr" anchorCtr="0" forceAA="0" compatLnSpc="1">
+            <a:prstTxWarp prst="textNoShape">
+              <a:avLst/>
+            </a:prstTxWarp>
+            <a:noAutofit/>
+          </a:bodyPr>
+          <a:lstStyle/>
+          <a:p>
+            <a:pPr algn="ctr"/>
+            <a:endParaRPr lang="zh-CN" altLang="en-US">
+              <a:solidFill>
+                <a:schemeClr val="tx1"/>
+              </a:solidFill>
+            </a:endParaRPr>
+          </a:p>
+        </p:txBody>
+      </p:sp>
+      <p:sp>
+        <p:nvSpPr>
+          <p:cNvPr id="148" name="矩形 147">
+            <a:extLst>
+              <a:ext uri="{FF2B5EF4-FFF2-40B4-BE49-F238E27FC236}">
+                <a16:creationId xmlns:a16="http://schemas.microsoft.com/office/drawing/2014/main" id="{B24A2483-AE17-4B55-8C1B-DFC8CC6BA8D0}"/>
+              </a:ext>
+            </a:extLst>
+          </p:cNvPr>
+          <p:cNvSpPr/>
+          <p:nvPr/>
+        </p:nvSpPr>
+        <p:spPr>
+          <a:xfrm>
+            <a:off x="10618352" y="5654544"/>
+            <a:ext cx="965704" cy="317381"/>
+          </a:xfrm>
+          <a:prstGeom prst="rect">
+            <a:avLst/>
+          </a:prstGeom>
+          <a:solidFill>
+            <a:schemeClr val="bg1"/>
+          </a:solidFill>
+          <a:ln>
+            <a:solidFill>
+              <a:schemeClr val="tx1"/>
+            </a:solidFill>
+          </a:ln>
+        </p:spPr>
+        <p:style>
+          <a:lnRef idx="2">
+            <a:schemeClr val="accent1">
+              <a:shade val="50000"/>
+            </a:schemeClr>
+          </a:lnRef>
+          <a:fillRef idx="1">
+            <a:schemeClr val="accent1"/>
+          </a:fillRef>
+          <a:effectRef idx="0">
+            <a:schemeClr val="accent1"/>
+          </a:effectRef>
+          <a:fontRef idx="minor">
+            <a:schemeClr val="lt1"/>
+          </a:fontRef>
+        </p:style>
+        <p:txBody>
+          <a:bodyPr rtlCol="0" anchor="ctr"/>
+          <a:lstStyle/>
+          <a:p>
+            <a:pPr algn="ctr"/>
+            <a:endParaRPr lang="zh-CN" altLang="en-US"/>
+          </a:p>
+        </p:txBody>
+      </p:sp>
+      <p:sp>
+        <p:nvSpPr>
+          <p:cNvPr id="149" name="文本框 148">
+            <a:extLst>
+              <a:ext uri="{FF2B5EF4-FFF2-40B4-BE49-F238E27FC236}">
+                <a16:creationId xmlns:a16="http://schemas.microsoft.com/office/drawing/2014/main" id="{007D7452-A6CA-4892-A596-FDFF4ED98821}"/>
+              </a:ext>
+            </a:extLst>
+          </p:cNvPr>
+          <p:cNvSpPr txBox="1"/>
+          <p:nvPr/>
+        </p:nvSpPr>
+        <p:spPr>
+          <a:xfrm>
+            <a:off x="10538122" y="5620888"/>
+            <a:ext cx="1146446" cy="369332"/>
+          </a:xfrm>
+          <a:prstGeom prst="rect">
+            <a:avLst/>
+          </a:prstGeom>
+          <a:noFill/>
+        </p:spPr>
+        <p:txBody>
+          <a:bodyPr wrap="square" rtlCol="0">
+            <a:spAutoFit/>
+          </a:bodyPr>
+          <a:lstStyle/>
+          <a:p>
+            <a:pPr algn="ctr"/>
+            <a:r>
+              <a:rPr lang="zh-CN" altLang="en-US" dirty="0">
+                <a:solidFill>
+                  <a:schemeClr val="accent2"/>
+                </a:solidFill>
+                <a:latin typeface="Times New Roman" panose="02020603050405020304" pitchFamily="18" charset="0"/>
+                <a:cs typeface="Times New Roman" panose="02020603050405020304" pitchFamily="18" charset="0"/>
+              </a:rPr>
+              <a:t>循环调用</a:t>
+            </a:r>
+          </a:p>
+        </p:txBody>
+      </p:sp>
+      <p:sp>
+        <p:nvSpPr>
+          <p:cNvPr id="150" name="矩形: 圆角 149">
+            <a:extLst>
+              <a:ext uri="{FF2B5EF4-FFF2-40B4-BE49-F238E27FC236}">
+                <a16:creationId xmlns:a16="http://schemas.microsoft.com/office/drawing/2014/main" id="{B3858B09-7AF0-4D53-9E9F-E0F9750CBF20}"/>
+              </a:ext>
+            </a:extLst>
+          </p:cNvPr>
+          <p:cNvSpPr/>
+          <p:nvPr/>
+        </p:nvSpPr>
+        <p:spPr>
+          <a:xfrm>
+            <a:off x="6477702" y="4026845"/>
+            <a:ext cx="1722700" cy="568765"/>
+          </a:xfrm>
+          <a:prstGeom prst="roundRect">
+            <a:avLst/>
+          </a:prstGeom>
+          <a:solidFill>
+            <a:schemeClr val="bg1">
+              <a:lumMod val="85000"/>
+            </a:schemeClr>
+          </a:solidFill>
+          <a:ln>
+            <a:solidFill>
+              <a:schemeClr val="tx1"/>
+            </a:solidFill>
+          </a:ln>
+        </p:spPr>
+        <p:style>
+          <a:lnRef idx="2">
+            <a:schemeClr val="accent1">
+              <a:shade val="50000"/>
+            </a:schemeClr>
+          </a:lnRef>
+          <a:fillRef idx="1">
+            <a:schemeClr val="accent1"/>
+          </a:fillRef>
+          <a:effectRef idx="0">
+            <a:schemeClr val="accent1"/>
+          </a:effectRef>
+          <a:fontRef idx="minor">
+            <a:schemeClr val="lt1"/>
+          </a:fontRef>
+        </p:style>
+        <p:txBody>
+          <a:bodyPr rtlCol="0" anchor="ctr"/>
+          <a:lstStyle/>
+          <a:p>
+            <a:pPr algn="ctr"/>
+            <a:r>
+              <a:rPr lang="zh-CN" altLang="en-US" sz="2000" dirty="0">
+                <a:solidFill>
+                  <a:schemeClr val="tx1"/>
+                </a:solidFill>
+                <a:latin typeface="Times New Roman" panose="02020603050405020304" pitchFamily="18" charset="0"/>
+                <a:cs typeface="Times New Roman" panose="02020603050405020304" pitchFamily="18" charset="0"/>
+              </a:rPr>
+              <a:t>事件处理器</a:t>
+            </a:r>
+          </a:p>
+        </p:txBody>
+      </p:sp>
+      <p:cxnSp>
+        <p:nvCxnSpPr>
+          <p:cNvPr id="151" name="直接连接符 150">
+            <a:extLst>
+              <a:ext uri="{FF2B5EF4-FFF2-40B4-BE49-F238E27FC236}">
+                <a16:creationId xmlns:a16="http://schemas.microsoft.com/office/drawing/2014/main" id="{B370BCE5-2599-495B-831D-0BA96F44A311}"/>
+              </a:ext>
+            </a:extLst>
+          </p:cNvPr>
+          <p:cNvCxnSpPr>
+            <a:cxnSpLocks/>
+          </p:cNvCxnSpPr>
+          <p:nvPr/>
+        </p:nvCxnSpPr>
+        <p:spPr>
+          <a:xfrm>
+            <a:off x="7379218" y="2135040"/>
+            <a:ext cx="0" cy="867734"/>
+          </a:xfrm>
+          <a:prstGeom prst="line">
+            <a:avLst/>
+          </a:prstGeom>
+          <a:ln w="28575">
+            <a:solidFill>
+              <a:schemeClr val="tx1"/>
+            </a:solidFill>
+            <a:prstDash val="sysDot"/>
+            <a:headEnd type="none" w="med" len="med"/>
+            <a:tailEnd type="none" w="med" len="med"/>
+          </a:ln>
+        </p:spPr>
+        <p:style>
+          <a:lnRef idx="1">
+            <a:schemeClr val="accent1"/>
+          </a:lnRef>
+          <a:fillRef idx="0">
+            <a:schemeClr val="accent1"/>
+          </a:fillRef>
+          <a:effectRef idx="0">
+            <a:schemeClr val="accent1"/>
+          </a:effectRef>
+          <a:fontRef idx="minor">
+            <a:schemeClr val="tx1"/>
+          </a:fontRef>
+        </p:style>
+      </p:cxnSp>
+      <p:sp>
+        <p:nvSpPr>
+          <p:cNvPr id="153" name="箭头: V 形 152">
+            <a:extLst>
+              <a:ext uri="{FF2B5EF4-FFF2-40B4-BE49-F238E27FC236}">
+                <a16:creationId xmlns:a16="http://schemas.microsoft.com/office/drawing/2014/main" id="{91EC59F4-D4A2-4985-8674-350C773A7D71}"/>
+              </a:ext>
+            </a:extLst>
+          </p:cNvPr>
+          <p:cNvSpPr/>
+          <p:nvPr/>
+        </p:nvSpPr>
+        <p:spPr>
+          <a:xfrm rot="16200000">
+            <a:off x="7293382" y="2123077"/>
+            <a:ext cx="171671" cy="162365"/>
+          </a:xfrm>
+          <a:prstGeom prst="chevron">
+            <a:avLst/>
+          </a:prstGeom>
+          <a:solidFill>
+            <a:schemeClr val="bg1">
+              <a:lumMod val="85000"/>
+            </a:schemeClr>
+          </a:solidFill>
+          <a:ln>
+            <a:solidFill>
+              <a:schemeClr val="tx1"/>
+            </a:solidFill>
+          </a:ln>
+        </p:spPr>
+        <p:style>
+          <a:lnRef idx="2">
+            <a:schemeClr val="accent1">
+              <a:shade val="50000"/>
+            </a:schemeClr>
+          </a:lnRef>
+          <a:fillRef idx="1">
+            <a:schemeClr val="accent1"/>
+          </a:fillRef>
+          <a:effectRef idx="0">
+            <a:schemeClr val="accent1"/>
+          </a:effectRef>
+          <a:fontRef idx="minor">
+            <a:schemeClr val="lt1"/>
+          </a:fontRef>
+        </p:style>
+        <p:txBody>
+          <a:bodyPr rot="0" spcFirstLastPara="0" vertOverflow="overflow" horzOverflow="overflow" vert="horz" wrap="square" lIns="91440" tIns="45720" rIns="91440" bIns="45720" numCol="1" spcCol="0" rtlCol="0" fromWordArt="0" anchor="ctr" anchorCtr="0" forceAA="0" compatLnSpc="1">
+            <a:prstTxWarp prst="textNoShape">
+              <a:avLst/>
+            </a:prstTxWarp>
+            <a:noAutofit/>
+          </a:bodyPr>
+          <a:lstStyle/>
+          <a:p>
+            <a:pPr algn="ctr"/>
+            <a:endParaRPr lang="zh-CN" altLang="en-US" sz="2000">
+              <a:solidFill>
+                <a:schemeClr val="tx1"/>
+              </a:solidFill>
+              <a:latin typeface="Times New Roman" panose="02020603050405020304" pitchFamily="18" charset="0"/>
+              <a:cs typeface="Times New Roman" panose="02020603050405020304" pitchFamily="18" charset="0"/>
+            </a:endParaRPr>
+          </a:p>
+        </p:txBody>
+      </p:sp>
+      <p:sp>
+        <p:nvSpPr>
+          <p:cNvPr id="154" name="箭头: V 形 153">
+            <a:extLst>
+              <a:ext uri="{FF2B5EF4-FFF2-40B4-BE49-F238E27FC236}">
+                <a16:creationId xmlns:a16="http://schemas.microsoft.com/office/drawing/2014/main" id="{0FDA09D3-EAD3-43AF-8C4F-3254B3D38C45}"/>
+              </a:ext>
+            </a:extLst>
+          </p:cNvPr>
+          <p:cNvSpPr/>
+          <p:nvPr/>
+        </p:nvSpPr>
+        <p:spPr>
+          <a:xfrm rot="5400000">
+            <a:off x="7294391" y="2900408"/>
+            <a:ext cx="171671" cy="162365"/>
+          </a:xfrm>
+          <a:prstGeom prst="chevron">
+            <a:avLst/>
+          </a:prstGeom>
+          <a:solidFill>
+            <a:schemeClr val="bg1">
+              <a:lumMod val="85000"/>
+            </a:schemeClr>
+          </a:solidFill>
+          <a:ln>
+            <a:solidFill>
+              <a:schemeClr val="tx1"/>
+            </a:solidFill>
+          </a:ln>
+        </p:spPr>
+        <p:style>
+          <a:lnRef idx="2">
+            <a:schemeClr val="accent1">
+              <a:shade val="50000"/>
+            </a:schemeClr>
+          </a:lnRef>
+          <a:fillRef idx="1">
+            <a:schemeClr val="accent1"/>
+          </a:fillRef>
+          <a:effectRef idx="0">
+            <a:schemeClr val="accent1"/>
+          </a:effectRef>
+          <a:fontRef idx="minor">
+            <a:schemeClr val="lt1"/>
+          </a:fontRef>
+        </p:style>
+        <p:txBody>
+          <a:bodyPr rot="0" spcFirstLastPara="0" vertOverflow="overflow" horzOverflow="overflow" vert="horz" wrap="square" lIns="91440" tIns="45720" rIns="91440" bIns="45720" numCol="1" spcCol="0" rtlCol="0" fromWordArt="0" anchor="ctr" anchorCtr="0" forceAA="0" compatLnSpc="1">
+            <a:prstTxWarp prst="textNoShape">
+              <a:avLst/>
+            </a:prstTxWarp>
+            <a:noAutofit/>
+          </a:bodyPr>
+          <a:lstStyle/>
+          <a:p>
+            <a:pPr algn="ctr"/>
+            <a:endParaRPr lang="zh-CN" altLang="en-US" sz="2000">
+              <a:solidFill>
+                <a:schemeClr val="tx1"/>
+              </a:solidFill>
+              <a:latin typeface="Times New Roman" panose="02020603050405020304" pitchFamily="18" charset="0"/>
+              <a:cs typeface="Times New Roman" panose="02020603050405020304" pitchFamily="18" charset="0"/>
+            </a:endParaRPr>
+          </a:p>
+        </p:txBody>
+      </p:sp>
+      <p:sp>
+        <p:nvSpPr>
+          <p:cNvPr id="155" name="箭头: V 形 154">
+            <a:extLst>
+              <a:ext uri="{FF2B5EF4-FFF2-40B4-BE49-F238E27FC236}">
+                <a16:creationId xmlns:a16="http://schemas.microsoft.com/office/drawing/2014/main" id="{63B53B7F-F1AF-475F-82A0-936E2924F53D}"/>
+              </a:ext>
+            </a:extLst>
+          </p:cNvPr>
+          <p:cNvSpPr/>
+          <p:nvPr/>
+        </p:nvSpPr>
+        <p:spPr>
+          <a:xfrm rot="5400000">
+            <a:off x="2063906" y="2885977"/>
+            <a:ext cx="171671" cy="162365"/>
+          </a:xfrm>
+          <a:prstGeom prst="chevron">
+            <a:avLst/>
+          </a:prstGeom>
+          <a:solidFill>
+            <a:schemeClr val="bg1">
+              <a:lumMod val="85000"/>
+            </a:schemeClr>
+          </a:solidFill>
+          <a:ln>
+            <a:solidFill>
+              <a:schemeClr val="tx1"/>
+            </a:solidFill>
+          </a:ln>
+        </p:spPr>
+        <p:style>
+          <a:lnRef idx="2">
+            <a:schemeClr val="accent1">
+              <a:shade val="50000"/>
+            </a:schemeClr>
+          </a:lnRef>
+          <a:fillRef idx="1">
+            <a:schemeClr val="accent1"/>
+          </a:fillRef>
+          <a:effectRef idx="0">
+            <a:schemeClr val="accent1"/>
+          </a:effectRef>
+          <a:fontRef idx="minor">
+            <a:schemeClr val="lt1"/>
+          </a:fontRef>
+        </p:style>
+        <p:txBody>
+          <a:bodyPr rot="0" spcFirstLastPara="0" vertOverflow="overflow" horzOverflow="overflow" vert="horz" wrap="square" lIns="91440" tIns="45720" rIns="91440" bIns="45720" numCol="1" spcCol="0" rtlCol="0" fromWordArt="0" anchor="ctr" anchorCtr="0" forceAA="0" compatLnSpc="1">
+            <a:prstTxWarp prst="textNoShape">
+              <a:avLst/>
+            </a:prstTxWarp>
+            <a:noAutofit/>
+          </a:bodyPr>
+          <a:lstStyle/>
+          <a:p>
+            <a:pPr algn="ctr"/>
+            <a:endParaRPr lang="zh-CN" altLang="en-US" sz="2000">
+              <a:solidFill>
+                <a:schemeClr val="tx1"/>
+              </a:solidFill>
+              <a:latin typeface="Times New Roman" panose="02020603050405020304" pitchFamily="18" charset="0"/>
+              <a:cs typeface="Times New Roman" panose="02020603050405020304" pitchFamily="18" charset="0"/>
+            </a:endParaRPr>
+          </a:p>
+        </p:txBody>
+      </p:sp>
+      <p:sp>
+        <p:nvSpPr>
+          <p:cNvPr id="157" name="箭头: V 形 156">
+            <a:extLst>
+              <a:ext uri="{FF2B5EF4-FFF2-40B4-BE49-F238E27FC236}">
+                <a16:creationId xmlns:a16="http://schemas.microsoft.com/office/drawing/2014/main" id="{90AF2F6E-E7CC-4D58-96D0-7E75EDC4BBDA}"/>
+              </a:ext>
+            </a:extLst>
+          </p:cNvPr>
+          <p:cNvSpPr/>
+          <p:nvPr/>
+        </p:nvSpPr>
+        <p:spPr>
+          <a:xfrm rot="16200000">
+            <a:off x="2063905" y="2109782"/>
+            <a:ext cx="171671" cy="162365"/>
+          </a:xfrm>
+          <a:prstGeom prst="chevron">
+            <a:avLst/>
+          </a:prstGeom>
+          <a:solidFill>
+            <a:schemeClr val="bg1">
+              <a:lumMod val="85000"/>
+            </a:schemeClr>
+          </a:solidFill>
+          <a:ln>
+            <a:solidFill>
+              <a:schemeClr val="tx1"/>
+            </a:solidFill>
+          </a:ln>
+        </p:spPr>
+        <p:style>
+          <a:lnRef idx="2">
+            <a:schemeClr val="accent1">
+              <a:shade val="50000"/>
+            </a:schemeClr>
+          </a:lnRef>
+          <a:fillRef idx="1">
+            <a:schemeClr val="accent1"/>
+          </a:fillRef>
+          <a:effectRef idx="0">
+            <a:schemeClr val="accent1"/>
+          </a:effectRef>
+          <a:fontRef idx="minor">
+            <a:schemeClr val="lt1"/>
+          </a:fontRef>
+        </p:style>
+        <p:txBody>
+          <a:bodyPr rot="0" spcFirstLastPara="0" vertOverflow="overflow" horzOverflow="overflow" vert="horz" wrap="square" lIns="91440" tIns="45720" rIns="91440" bIns="45720" numCol="1" spcCol="0" rtlCol="0" fromWordArt="0" anchor="ctr" anchorCtr="0" forceAA="0" compatLnSpc="1">
+            <a:prstTxWarp prst="textNoShape">
+              <a:avLst/>
+            </a:prstTxWarp>
+            <a:noAutofit/>
+          </a:bodyPr>
+          <a:lstStyle/>
+          <a:p>
+            <a:pPr algn="ctr"/>
+            <a:endParaRPr lang="zh-CN" altLang="en-US" sz="2000">
+              <a:solidFill>
+                <a:schemeClr val="tx1"/>
+              </a:solidFill>
+              <a:latin typeface="Times New Roman" panose="02020603050405020304" pitchFamily="18" charset="0"/>
+              <a:cs typeface="Times New Roman" panose="02020603050405020304" pitchFamily="18" charset="0"/>
+            </a:endParaRPr>
+          </a:p>
+        </p:txBody>
+      </p:sp>
+      <p:cxnSp>
+        <p:nvCxnSpPr>
+          <p:cNvPr id="158" name="直接连接符 157">
+            <a:extLst>
+              <a:ext uri="{FF2B5EF4-FFF2-40B4-BE49-F238E27FC236}">
+                <a16:creationId xmlns:a16="http://schemas.microsoft.com/office/drawing/2014/main" id="{890D5C19-B165-4610-B61E-15555CAEC7B8}"/>
+              </a:ext>
+            </a:extLst>
+          </p:cNvPr>
+          <p:cNvCxnSpPr>
+            <a:cxnSpLocks/>
+          </p:cNvCxnSpPr>
+          <p:nvPr/>
+        </p:nvCxnSpPr>
+        <p:spPr>
+          <a:xfrm flipV="1">
+            <a:off x="7393193" y="4600877"/>
+            <a:ext cx="0" cy="313510"/>
+          </a:xfrm>
+          <a:prstGeom prst="line">
+            <a:avLst/>
+          </a:prstGeom>
+          <a:ln w="19050">
+            <a:solidFill>
+              <a:schemeClr val="tx1"/>
+            </a:solidFill>
+            <a:prstDash val="solid"/>
+            <a:headEnd type="arrow" w="med" len="med"/>
+            <a:tailEnd type="arrow" w="med" len="med"/>
+          </a:ln>
+        </p:spPr>
+        <p:style>
+          <a:lnRef idx="1">
+            <a:schemeClr val="accent1"/>
+          </a:lnRef>
+          <a:fillRef idx="0">
+            <a:schemeClr val="accent1"/>
+          </a:fillRef>
+          <a:effectRef idx="0">
+            <a:schemeClr val="accent1"/>
+          </a:effectRef>
+          <a:fontRef idx="minor">
+            <a:schemeClr val="tx1"/>
+          </a:fontRef>
+        </p:style>
+      </p:cxnSp>
+      <p:sp>
+        <p:nvSpPr>
+          <p:cNvPr id="159" name="矩形: 圆角 158">
+            <a:extLst>
+              <a:ext uri="{FF2B5EF4-FFF2-40B4-BE49-F238E27FC236}">
+                <a16:creationId xmlns:a16="http://schemas.microsoft.com/office/drawing/2014/main" id="{AA616D19-5FCD-4D6E-84D9-CCA09D7B969B}"/>
+              </a:ext>
+            </a:extLst>
+          </p:cNvPr>
+          <p:cNvSpPr/>
+          <p:nvPr/>
+        </p:nvSpPr>
+        <p:spPr>
+          <a:xfrm>
+            <a:off x="9522633" y="4025943"/>
+            <a:ext cx="1642368" cy="568765"/>
+          </a:xfrm>
+          <a:prstGeom prst="roundRect">
+            <a:avLst/>
+          </a:prstGeom>
+          <a:solidFill>
+            <a:schemeClr val="bg1">
+              <a:lumMod val="85000"/>
+            </a:schemeClr>
+          </a:solidFill>
+          <a:ln>
+            <a:solidFill>
+              <a:schemeClr val="tx1"/>
+            </a:solidFill>
+          </a:ln>
+        </p:spPr>
+        <p:style>
+          <a:lnRef idx="2">
+            <a:schemeClr val="accent1">
+              <a:shade val="50000"/>
+            </a:schemeClr>
+          </a:lnRef>
+          <a:fillRef idx="1">
+            <a:schemeClr val="accent1"/>
+          </a:fillRef>
+          <a:effectRef idx="0">
+            <a:schemeClr val="accent1"/>
+          </a:effectRef>
+          <a:fontRef idx="minor">
+            <a:schemeClr val="lt1"/>
+          </a:fontRef>
+        </p:style>
+        <p:txBody>
+          <a:bodyPr rtlCol="0" anchor="ctr"/>
+          <a:lstStyle/>
+          <a:p>
+            <a:pPr algn="ctr"/>
+            <a:r>
+              <a:rPr lang="zh-CN" altLang="en-US" sz="2000" dirty="0">
+                <a:solidFill>
+                  <a:schemeClr val="tx1"/>
+                </a:solidFill>
+                <a:latin typeface="Times New Roman" panose="02020603050405020304" pitchFamily="18" charset="0"/>
+                <a:cs typeface="Times New Roman" panose="02020603050405020304" pitchFamily="18" charset="0"/>
+              </a:rPr>
+              <a:t>宿主机资源监听器</a:t>
+            </a:r>
+          </a:p>
+        </p:txBody>
+      </p:sp>
+      <p:cxnSp>
+        <p:nvCxnSpPr>
+          <p:cNvPr id="160" name="直接连接符 159">
+            <a:extLst>
+              <a:ext uri="{FF2B5EF4-FFF2-40B4-BE49-F238E27FC236}">
+                <a16:creationId xmlns:a16="http://schemas.microsoft.com/office/drawing/2014/main" id="{7FAEE5DC-989F-4270-BCC4-48F6F7026190}"/>
+              </a:ext>
+            </a:extLst>
+          </p:cNvPr>
+          <p:cNvCxnSpPr>
+            <a:cxnSpLocks/>
+            <a:stCxn id="135" idx="0"/>
+            <a:endCxn id="159" idx="2"/>
+          </p:cNvCxnSpPr>
+          <p:nvPr/>
+        </p:nvCxnSpPr>
+        <p:spPr>
+          <a:xfrm flipV="1">
+            <a:off x="10339929" y="4594708"/>
+            <a:ext cx="3888" cy="296978"/>
+          </a:xfrm>
+          <a:prstGeom prst="line">
+            <a:avLst/>
+          </a:prstGeom>
+          <a:ln w="19050">
+            <a:solidFill>
+              <a:schemeClr val="tx1"/>
+            </a:solidFill>
+            <a:prstDash val="solid"/>
+            <a:headEnd type="arrow" w="med" len="med"/>
+            <a:tailEnd type="arrow" w="med" len="med"/>
+          </a:ln>
+        </p:spPr>
+        <p:style>
+          <a:lnRef idx="1">
+            <a:schemeClr val="accent1"/>
+          </a:lnRef>
+          <a:fillRef idx="0">
+            <a:schemeClr val="accent1"/>
+          </a:fillRef>
+          <a:effectRef idx="0">
+            <a:schemeClr val="accent1"/>
+          </a:effectRef>
+          <a:fontRef idx="minor">
+            <a:schemeClr val="tx1"/>
+          </a:fontRef>
+        </p:style>
+      </p:cxnSp>
+      <p:sp>
+        <p:nvSpPr>
+          <p:cNvPr id="163" name="矩形: 圆角 162">
+            <a:extLst>
+              <a:ext uri="{FF2B5EF4-FFF2-40B4-BE49-F238E27FC236}">
+                <a16:creationId xmlns:a16="http://schemas.microsoft.com/office/drawing/2014/main" id="{D24DC065-C1EE-48E5-9536-0BF6233DC14A}"/>
+              </a:ext>
+            </a:extLst>
+          </p:cNvPr>
+          <p:cNvSpPr/>
+          <p:nvPr/>
+        </p:nvSpPr>
+        <p:spPr>
+          <a:xfrm>
+            <a:off x="9513397" y="2981590"/>
+            <a:ext cx="1642368" cy="568765"/>
+          </a:xfrm>
+          <a:prstGeom prst="roundRect">
+            <a:avLst/>
+          </a:prstGeom>
+          <a:solidFill>
+            <a:schemeClr val="bg1">
+              <a:lumMod val="85000"/>
+            </a:schemeClr>
+          </a:solidFill>
+          <a:ln>
+            <a:solidFill>
+              <a:schemeClr val="tx1"/>
+            </a:solidFill>
+          </a:ln>
+        </p:spPr>
+        <p:style>
+          <a:lnRef idx="2">
+            <a:schemeClr val="accent1">
+              <a:shade val="50000"/>
+            </a:schemeClr>
+          </a:lnRef>
+          <a:fillRef idx="1">
+            <a:schemeClr val="accent1"/>
+          </a:fillRef>
+          <a:effectRef idx="0">
+            <a:schemeClr val="accent1"/>
+          </a:effectRef>
+          <a:fontRef idx="minor">
+            <a:schemeClr val="lt1"/>
+          </a:fontRef>
+        </p:style>
+        <p:txBody>
+          <a:bodyPr rtlCol="0" anchor="ctr"/>
+          <a:lstStyle/>
+          <a:p>
+            <a:pPr algn="ctr"/>
+            <a:r>
+              <a:rPr lang="zh-CN" altLang="en-US" sz="2000" dirty="0">
+                <a:solidFill>
+                  <a:schemeClr val="tx1"/>
+                </a:solidFill>
+                <a:latin typeface="Times New Roman" panose="02020603050405020304" pitchFamily="18" charset="0"/>
+                <a:cs typeface="Times New Roman" panose="02020603050405020304" pitchFamily="18" charset="0"/>
+              </a:rPr>
+              <a:t>守护进程</a:t>
+            </a:r>
+          </a:p>
+        </p:txBody>
+      </p:sp>
+      <p:cxnSp>
+        <p:nvCxnSpPr>
+          <p:cNvPr id="164" name="直接连接符 163">
+            <a:extLst>
+              <a:ext uri="{FF2B5EF4-FFF2-40B4-BE49-F238E27FC236}">
+                <a16:creationId xmlns:a16="http://schemas.microsoft.com/office/drawing/2014/main" id="{D8F3194E-6187-4EE0-B121-60848A84A5CE}"/>
+              </a:ext>
+            </a:extLst>
+          </p:cNvPr>
+          <p:cNvCxnSpPr>
+            <a:cxnSpLocks/>
+            <a:stCxn id="159" idx="1"/>
+            <a:endCxn id="150" idx="3"/>
+          </p:cNvCxnSpPr>
+          <p:nvPr/>
+        </p:nvCxnSpPr>
+        <p:spPr>
+          <a:xfrm flipH="1">
+            <a:off x="8200402" y="4310326"/>
+            <a:ext cx="1322231" cy="902"/>
+          </a:xfrm>
+          <a:prstGeom prst="line">
+            <a:avLst/>
+          </a:prstGeom>
+          <a:ln w="19050">
+            <a:solidFill>
+              <a:schemeClr val="tx1"/>
+            </a:solidFill>
+            <a:prstDash val="solid"/>
+            <a:headEnd type="none" w="med" len="med"/>
+            <a:tailEnd type="none" w="med" len="med"/>
+          </a:ln>
+        </p:spPr>
+        <p:style>
+          <a:lnRef idx="1">
+            <a:schemeClr val="accent1"/>
+          </a:lnRef>
+          <a:fillRef idx="0">
+            <a:schemeClr val="accent1"/>
+          </a:fillRef>
+          <a:effectRef idx="0">
+            <a:schemeClr val="accent1"/>
+          </a:effectRef>
+          <a:fontRef idx="minor">
+            <a:schemeClr val="tx1"/>
+          </a:fontRef>
+        </p:style>
+      </p:cxnSp>
+      <p:cxnSp>
+        <p:nvCxnSpPr>
+          <p:cNvPr id="168" name="连接符: 肘形 167">
+            <a:extLst>
+              <a:ext uri="{FF2B5EF4-FFF2-40B4-BE49-F238E27FC236}">
+                <a16:creationId xmlns:a16="http://schemas.microsoft.com/office/drawing/2014/main" id="{488A72D3-C1D0-49BC-A7BD-E12910D2562D}"/>
+              </a:ext>
+            </a:extLst>
+          </p:cNvPr>
+          <p:cNvCxnSpPr>
+            <a:cxnSpLocks/>
+            <a:stCxn id="170" idx="0"/>
+            <a:endCxn id="163" idx="2"/>
+          </p:cNvCxnSpPr>
+          <p:nvPr/>
+        </p:nvCxnSpPr>
+        <p:spPr>
+          <a:xfrm rot="5400000" flipH="1" flipV="1">
+            <a:off x="9215022" y="3197007"/>
+            <a:ext cx="766210" cy="1472907"/>
+          </a:xfrm>
+          <a:prstGeom prst="bentConnector3">
+            <a:avLst>
+              <a:gd name="adj1" fmla="val 57233"/>
+            </a:avLst>
+          </a:prstGeom>
+          <a:ln w="19050">
+            <a:solidFill>
+              <a:schemeClr val="tx1"/>
+            </a:solidFill>
+            <a:prstDash val="solid"/>
+            <a:headEnd type="none" w="med" len="med"/>
+            <a:tailEnd type="arrow" w="med" len="med"/>
+          </a:ln>
+        </p:spPr>
+        <p:style>
+          <a:lnRef idx="1">
+            <a:schemeClr val="accent1"/>
+          </a:lnRef>
+          <a:fillRef idx="0">
+            <a:schemeClr val="accent1"/>
+          </a:fillRef>
+          <a:effectRef idx="0">
+            <a:schemeClr val="accent1"/>
+          </a:effectRef>
+          <a:fontRef idx="minor">
+            <a:schemeClr val="tx1"/>
+          </a:fontRef>
+        </p:style>
+      </p:cxnSp>
+      <p:sp>
+        <p:nvSpPr>
+          <p:cNvPr id="170" name="等腰三角形 169">
+            <a:extLst>
+              <a:ext uri="{FF2B5EF4-FFF2-40B4-BE49-F238E27FC236}">
+                <a16:creationId xmlns:a16="http://schemas.microsoft.com/office/drawing/2014/main" id="{0AFAB4CD-1C9B-4292-8F4B-8249ECB8DF96}"/>
+              </a:ext>
+            </a:extLst>
+          </p:cNvPr>
+          <p:cNvSpPr/>
+          <p:nvPr/>
+        </p:nvSpPr>
+        <p:spPr>
+          <a:xfrm>
+            <a:off x="8730377" y="4316565"/>
+            <a:ext cx="262593" cy="296978"/>
+          </a:xfrm>
+          <a:prstGeom prst="triangle">
+            <a:avLst/>
+          </a:prstGeom>
+          <a:noFill/>
+          <a:ln>
+            <a:noFill/>
+          </a:ln>
+        </p:spPr>
+        <p:style>
+          <a:lnRef idx="2">
+            <a:schemeClr val="accent1">
+              <a:shade val="50000"/>
+            </a:schemeClr>
+          </a:lnRef>
+          <a:fillRef idx="1">
+            <a:schemeClr val="accent1"/>
+          </a:fillRef>
+          <a:effectRef idx="0">
+            <a:schemeClr val="accent1"/>
+          </a:effectRef>
+          <a:fontRef idx="minor">
+            <a:schemeClr val="lt1"/>
+          </a:fontRef>
+        </p:style>
+        <p:txBody>
+          <a:bodyPr rtlCol="0" anchor="ctr"/>
+          <a:lstStyle/>
+          <a:p>
+            <a:pPr algn="ctr"/>
+            <a:endParaRPr lang="zh-CN" altLang="en-US"/>
+          </a:p>
+        </p:txBody>
+      </p:sp>
+      <p:cxnSp>
+        <p:nvCxnSpPr>
+          <p:cNvPr id="174" name="直接连接符 173">
+            <a:extLst>
+              <a:ext uri="{FF2B5EF4-FFF2-40B4-BE49-F238E27FC236}">
+                <a16:creationId xmlns:a16="http://schemas.microsoft.com/office/drawing/2014/main" id="{00DB529F-06D9-4C50-85AC-4F8D2909B9B1}"/>
+              </a:ext>
+            </a:extLst>
+          </p:cNvPr>
+          <p:cNvCxnSpPr>
+            <a:cxnSpLocks/>
+            <a:stCxn id="163" idx="1"/>
+            <a:endCxn id="133" idx="3"/>
+          </p:cNvCxnSpPr>
+          <p:nvPr/>
+        </p:nvCxnSpPr>
+        <p:spPr>
+          <a:xfrm flipH="1">
+            <a:off x="8200403" y="3265973"/>
+            <a:ext cx="1312994" cy="1370"/>
+          </a:xfrm>
+          <a:prstGeom prst="line">
+            <a:avLst/>
+          </a:prstGeom>
+          <a:ln w="19050">
+            <a:solidFill>
+              <a:schemeClr val="tx1"/>
+            </a:solidFill>
+            <a:prstDash val="solid"/>
+            <a:headEnd type="none" w="med" len="med"/>
+            <a:tailEnd type="arrow" w="med" len="med"/>
+          </a:ln>
+        </p:spPr>
+        <p:style>
+          <a:lnRef idx="1">
+            <a:schemeClr val="accent1"/>
+          </a:lnRef>
+          <a:fillRef idx="0">
+            <a:schemeClr val="accent1"/>
+          </a:fillRef>
+          <a:effectRef idx="0">
+            <a:schemeClr val="accent1"/>
+          </a:effectRef>
+          <a:fontRef idx="minor">
+            <a:schemeClr val="tx1"/>
+          </a:fontRef>
+        </p:style>
+      </p:cxnSp>
+      <p:sp>
+        <p:nvSpPr>
+          <p:cNvPr id="182" name="矩形 181">
+            <a:extLst>
+              <a:ext uri="{FF2B5EF4-FFF2-40B4-BE49-F238E27FC236}">
+                <a16:creationId xmlns:a16="http://schemas.microsoft.com/office/drawing/2014/main" id="{54B98A17-127E-4B18-AF50-689B2B6C2258}"/>
+              </a:ext>
+            </a:extLst>
+          </p:cNvPr>
+          <p:cNvSpPr/>
+          <p:nvPr/>
+        </p:nvSpPr>
+        <p:spPr>
+          <a:xfrm>
+            <a:off x="6313474" y="2527907"/>
+            <a:ext cx="1265106" cy="317381"/>
+          </a:xfrm>
+          <a:prstGeom prst="rect">
+            <a:avLst/>
+          </a:prstGeom>
+          <a:solidFill>
+            <a:schemeClr val="bg1"/>
+          </a:solidFill>
+          <a:ln>
+            <a:solidFill>
+              <a:schemeClr val="tx1"/>
+            </a:solidFill>
+          </a:ln>
+        </p:spPr>
+        <p:style>
+          <a:lnRef idx="2">
+            <a:schemeClr val="accent1">
+              <a:shade val="50000"/>
+            </a:schemeClr>
+          </a:lnRef>
+          <a:fillRef idx="1">
+            <a:schemeClr val="accent1"/>
+          </a:fillRef>
+          <a:effectRef idx="0">
+            <a:schemeClr val="accent1"/>
+          </a:effectRef>
+          <a:fontRef idx="minor">
+            <a:schemeClr val="lt1"/>
+          </a:fontRef>
+        </p:style>
+        <p:txBody>
+          <a:bodyPr rtlCol="0" anchor="ctr"/>
+          <a:lstStyle/>
+          <a:p>
+            <a:pPr algn="ctr"/>
+            <a:endParaRPr lang="zh-CN" altLang="en-US"/>
+          </a:p>
+        </p:txBody>
+      </p:sp>
+      <p:sp>
+        <p:nvSpPr>
+          <p:cNvPr id="183" name="文本框 182">
+            <a:extLst>
+              <a:ext uri="{FF2B5EF4-FFF2-40B4-BE49-F238E27FC236}">
+                <a16:creationId xmlns:a16="http://schemas.microsoft.com/office/drawing/2014/main" id="{72049BE5-E4AD-432D-A321-48FA501EF4A1}"/>
+              </a:ext>
+            </a:extLst>
+          </p:cNvPr>
+          <p:cNvSpPr txBox="1"/>
+          <p:nvPr/>
+        </p:nvSpPr>
+        <p:spPr>
+          <a:xfrm>
+            <a:off x="6172605" y="2494251"/>
+            <a:ext cx="1577385" cy="369332"/>
+          </a:xfrm>
+          <a:prstGeom prst="rect">
+            <a:avLst/>
+          </a:prstGeom>
+          <a:noFill/>
+        </p:spPr>
+        <p:txBody>
+          <a:bodyPr wrap="square" rtlCol="0">
+            <a:spAutoFit/>
+          </a:bodyPr>
+          <a:lstStyle/>
+          <a:p>
+            <a:pPr algn="ctr"/>
+            <a:r>
+              <a:rPr lang="en-US" altLang="zh-CN" dirty="0">
+                <a:solidFill>
+                  <a:schemeClr val="accent2"/>
+                </a:solidFill>
+                <a:latin typeface="Times New Roman" panose="02020603050405020304" pitchFamily="18" charset="0"/>
+                <a:cs typeface="Times New Roman" panose="02020603050405020304" pitchFamily="18" charset="0"/>
+              </a:rPr>
+              <a:t>{</a:t>
+            </a:r>
+            <a:r>
+              <a:rPr lang="zh-CN" altLang="en-US" dirty="0">
+                <a:solidFill>
+                  <a:schemeClr val="accent2"/>
+                </a:solidFill>
+                <a:latin typeface="Times New Roman" panose="02020603050405020304" pitchFamily="18" charset="0"/>
+                <a:cs typeface="Times New Roman" panose="02020603050405020304" pitchFamily="18" charset="0"/>
+              </a:rPr>
+              <a:t>状态</a:t>
+            </a:r>
+            <a:r>
+              <a:rPr lang="en-US" altLang="zh-CN" dirty="0">
+                <a:solidFill>
+                  <a:schemeClr val="accent2"/>
+                </a:solidFill>
+                <a:latin typeface="Times New Roman" panose="02020603050405020304" pitchFamily="18" charset="0"/>
+                <a:cs typeface="Times New Roman" panose="02020603050405020304" pitchFamily="18" charset="0"/>
+              </a:rPr>
+              <a:t>, Json}</a:t>
+            </a:r>
+            <a:endParaRPr lang="zh-CN" altLang="en-US" dirty="0">
+              <a:solidFill>
+                <a:schemeClr val="accent2"/>
+              </a:solidFill>
+              <a:latin typeface="Times New Roman" panose="02020603050405020304" pitchFamily="18" charset="0"/>
+              <a:cs typeface="Times New Roman" panose="02020603050405020304" pitchFamily="18" charset="0"/>
+            </a:endParaRPr>
+          </a:p>
+        </p:txBody>
+      </p:sp>
+      <p:sp>
+        <p:nvSpPr>
+          <p:cNvPr id="186" name="文本框 185">
+            <a:extLst>
+              <a:ext uri="{FF2B5EF4-FFF2-40B4-BE49-F238E27FC236}">
+                <a16:creationId xmlns:a16="http://schemas.microsoft.com/office/drawing/2014/main" id="{D6F9ADD3-9500-4F54-B6FB-6684BD6A3291}"/>
+              </a:ext>
+            </a:extLst>
+          </p:cNvPr>
+          <p:cNvSpPr txBox="1"/>
+          <p:nvPr/>
+        </p:nvSpPr>
+        <p:spPr>
+          <a:xfrm>
+            <a:off x="8687920" y="471339"/>
+            <a:ext cx="2581922" cy="369332"/>
+          </a:xfrm>
+          <a:prstGeom prst="rect">
+            <a:avLst/>
+          </a:prstGeom>
+          <a:noFill/>
+        </p:spPr>
+        <p:txBody>
+          <a:bodyPr wrap="square" rtlCol="0">
+            <a:spAutoFit/>
+          </a:bodyPr>
+          <a:lstStyle/>
+          <a:p>
+            <a:pPr algn="ctr"/>
+            <a:r>
+              <a:rPr lang="zh-CN" altLang="en-US" dirty="0">
+                <a:latin typeface="Times New Roman" panose="02020603050405020304" pitchFamily="18" charset="0"/>
+                <a:cs typeface="Times New Roman" panose="02020603050405020304" pitchFamily="18" charset="0"/>
+              </a:rPr>
+              <a:t>客户端界面</a:t>
+            </a:r>
+          </a:p>
+        </p:txBody>
+      </p:sp>
+      <p:sp>
+        <p:nvSpPr>
+          <p:cNvPr id="187" name="流程图: 卡片 186">
+            <a:extLst>
+              <a:ext uri="{FF2B5EF4-FFF2-40B4-BE49-F238E27FC236}">
+                <a16:creationId xmlns:a16="http://schemas.microsoft.com/office/drawing/2014/main" id="{507A7306-5D47-42BE-87BD-B7215217F6E7}"/>
+              </a:ext>
+            </a:extLst>
+          </p:cNvPr>
+          <p:cNvSpPr/>
+          <p:nvPr/>
+        </p:nvSpPr>
+        <p:spPr>
+          <a:xfrm>
+            <a:off x="9095554" y="855092"/>
+            <a:ext cx="1766655" cy="628073"/>
+          </a:xfrm>
+          <a:prstGeom prst="flowChartPunchedCard">
+            <a:avLst/>
+          </a:prstGeom>
+          <a:solidFill>
+            <a:schemeClr val="bg1">
+              <a:lumMod val="85000"/>
+            </a:schemeClr>
+          </a:solidFill>
+          <a:ln w="19050">
+            <a:solidFill>
+              <a:schemeClr val="tx1"/>
+            </a:solidFill>
+          </a:ln>
+        </p:spPr>
+        <p:style>
+          <a:lnRef idx="2">
+            <a:schemeClr val="accent1">
+              <a:shade val="50000"/>
+            </a:schemeClr>
+          </a:lnRef>
+          <a:fillRef idx="1">
+            <a:schemeClr val="accent1"/>
+          </a:fillRef>
+          <a:effectRef idx="0">
+            <a:schemeClr val="accent1"/>
+          </a:effectRef>
+          <a:fontRef idx="minor">
+            <a:schemeClr val="lt1"/>
+          </a:fontRef>
+        </p:style>
+        <p:txBody>
+          <a:bodyPr rot="0" spcFirstLastPara="0" vertOverflow="overflow" horzOverflow="overflow" vert="horz" wrap="square" lIns="91440" tIns="45720" rIns="91440" bIns="45720" numCol="1" spcCol="0" rtlCol="0" fromWordArt="0" anchor="ctr" anchorCtr="0" forceAA="0" compatLnSpc="1">
+            <a:prstTxWarp prst="textNoShape">
+              <a:avLst/>
+            </a:prstTxWarp>
+            <a:noAutofit/>
+          </a:bodyPr>
+          <a:lstStyle/>
+          <a:p>
+            <a:pPr algn="ctr"/>
+            <a:endParaRPr lang="zh-CN" altLang="en-US" sz="1600" i="1" dirty="0">
+              <a:solidFill>
+                <a:schemeClr val="accent2"/>
+              </a:solidFill>
+              <a:latin typeface="Times New Roman" panose="02020603050405020304" pitchFamily="18" charset="0"/>
+              <a:cs typeface="Times New Roman" panose="02020603050405020304" pitchFamily="18" charset="0"/>
+            </a:endParaRPr>
+          </a:p>
+        </p:txBody>
+      </p:sp>
+      <p:sp>
+        <p:nvSpPr>
+          <p:cNvPr id="189" name="矩形 188">
+            <a:extLst>
+              <a:ext uri="{FF2B5EF4-FFF2-40B4-BE49-F238E27FC236}">
+                <a16:creationId xmlns:a16="http://schemas.microsoft.com/office/drawing/2014/main" id="{B19B9F03-E288-4F3A-B07A-8BF3181719D3}"/>
+              </a:ext>
+            </a:extLst>
+          </p:cNvPr>
+          <p:cNvSpPr/>
+          <p:nvPr/>
+        </p:nvSpPr>
+        <p:spPr>
+          <a:xfrm>
+            <a:off x="1259970" y="916037"/>
+            <a:ext cx="1210589" cy="584775"/>
+          </a:xfrm>
+          <a:prstGeom prst="rect">
+            <a:avLst/>
+          </a:prstGeom>
+        </p:spPr>
+        <p:txBody>
+          <a:bodyPr wrap="none">
+            <a:spAutoFit/>
+          </a:bodyPr>
+          <a:lstStyle/>
+          <a:p>
+            <a:pPr algn="ctr"/>
+            <a:r>
+              <a:rPr lang="zh-CN" altLang="en-US" sz="1600" i="1" dirty="0">
+                <a:latin typeface="Times New Roman" panose="02020603050405020304" pitchFamily="18" charset="0"/>
+                <a:cs typeface="Times New Roman" panose="02020603050405020304" pitchFamily="18" charset="0"/>
+              </a:rPr>
+              <a:t>创建虚拟机</a:t>
+            </a:r>
+            <a:endParaRPr lang="en-US" altLang="zh-CN" sz="1600" i="1" dirty="0">
+              <a:latin typeface="Times New Roman" panose="02020603050405020304" pitchFamily="18" charset="0"/>
+              <a:cs typeface="Times New Roman" panose="02020603050405020304" pitchFamily="18" charset="0"/>
+            </a:endParaRPr>
+          </a:p>
+          <a:p>
+            <a:pPr algn="ctr"/>
+            <a:r>
+              <a:rPr lang="en-US" altLang="zh-CN" sz="1600" dirty="0">
+                <a:solidFill>
+                  <a:schemeClr val="accent2"/>
+                </a:solidFill>
+                <a:latin typeface="Times New Roman" panose="02020603050405020304" pitchFamily="18" charset="0"/>
+                <a:cs typeface="Times New Roman" panose="02020603050405020304" pitchFamily="18" charset="0"/>
+              </a:rPr>
+              <a:t>(YAML)</a:t>
+            </a:r>
+            <a:endParaRPr lang="zh-CN" altLang="en-US" sz="1600" i="1" dirty="0">
+              <a:solidFill>
+                <a:schemeClr val="accent2"/>
+              </a:solidFill>
+              <a:latin typeface="Times New Roman" panose="02020603050405020304" pitchFamily="18" charset="0"/>
+              <a:cs typeface="Times New Roman" panose="02020603050405020304" pitchFamily="18" charset="0"/>
+            </a:endParaRPr>
+          </a:p>
+        </p:txBody>
+      </p:sp>
+      <p:sp>
+        <p:nvSpPr>
+          <p:cNvPr id="197" name="矩形 196">
+            <a:extLst>
+              <a:ext uri="{FF2B5EF4-FFF2-40B4-BE49-F238E27FC236}">
+                <a16:creationId xmlns:a16="http://schemas.microsoft.com/office/drawing/2014/main" id="{8CF0CB78-4312-41E1-A54B-04EAF0F3650B}"/>
+              </a:ext>
+            </a:extLst>
+          </p:cNvPr>
+          <p:cNvSpPr/>
+          <p:nvPr/>
+        </p:nvSpPr>
+        <p:spPr>
+          <a:xfrm>
+            <a:off x="1006995" y="3604211"/>
+            <a:ext cx="1041733" cy="366733"/>
+          </a:xfrm>
+          <a:prstGeom prst="rect">
+            <a:avLst/>
+          </a:prstGeom>
+          <a:solidFill>
+            <a:schemeClr val="bg1"/>
+          </a:solidFill>
+          <a:ln>
+            <a:solidFill>
+              <a:schemeClr val="tx1"/>
+            </a:solidFill>
+          </a:ln>
+        </p:spPr>
+        <p:style>
+          <a:lnRef idx="2">
+            <a:schemeClr val="accent1">
+              <a:shade val="50000"/>
+            </a:schemeClr>
+          </a:lnRef>
+          <a:fillRef idx="1">
+            <a:schemeClr val="accent1"/>
+          </a:fillRef>
+          <a:effectRef idx="0">
+            <a:schemeClr val="accent1"/>
+          </a:effectRef>
+          <a:fontRef idx="minor">
+            <a:schemeClr val="lt1"/>
+          </a:fontRef>
+        </p:style>
+        <p:txBody>
+          <a:bodyPr rtlCol="0" anchor="ctr"/>
+          <a:lstStyle/>
+          <a:p>
+            <a:pPr algn="ctr"/>
+            <a:endParaRPr lang="zh-CN" altLang="en-US"/>
+          </a:p>
+        </p:txBody>
+      </p:sp>
+      <p:sp>
+        <p:nvSpPr>
+          <p:cNvPr id="198" name="矩形 197">
+            <a:extLst>
+              <a:ext uri="{FF2B5EF4-FFF2-40B4-BE49-F238E27FC236}">
+                <a16:creationId xmlns:a16="http://schemas.microsoft.com/office/drawing/2014/main" id="{75E0CD38-350B-4D16-AC07-8A9CFC2AE0EA}"/>
+              </a:ext>
+            </a:extLst>
+          </p:cNvPr>
+          <p:cNvSpPr/>
+          <p:nvPr/>
+        </p:nvSpPr>
+        <p:spPr>
+          <a:xfrm>
+            <a:off x="872982" y="3603197"/>
+            <a:ext cx="1350946" cy="403765"/>
+          </a:xfrm>
+          <a:prstGeom prst="rect">
+            <a:avLst/>
+          </a:prstGeom>
+        </p:spPr>
+        <p:txBody>
+          <a:bodyPr wrap="square">
+            <a:spAutoFit/>
+          </a:bodyPr>
+          <a:lstStyle/>
+          <a:p>
+            <a:pPr algn="ctr">
+              <a:lnSpc>
+                <a:spcPts val="1200"/>
+              </a:lnSpc>
+            </a:pPr>
+            <a:r>
+              <a:rPr lang="zh-CN" altLang="en-US" sz="1400" i="1" dirty="0">
+                <a:latin typeface="Times New Roman" panose="02020603050405020304" pitchFamily="18" charset="0"/>
+                <a:cs typeface="Times New Roman" panose="02020603050405020304" pitchFamily="18" charset="0"/>
+              </a:rPr>
+              <a:t>命令类型</a:t>
+            </a:r>
+            <a:r>
+              <a:rPr lang="en-US" altLang="zh-CN" sz="1400" dirty="0">
+                <a:latin typeface="Times New Roman" panose="02020603050405020304" pitchFamily="18" charset="0"/>
+                <a:cs typeface="Times New Roman" panose="02020603050405020304" pitchFamily="18" charset="0"/>
+              </a:rPr>
+              <a:t>:</a:t>
+            </a:r>
+          </a:p>
+          <a:p>
+            <a:pPr algn="ctr">
+              <a:lnSpc>
+                <a:spcPts val="1200"/>
+              </a:lnSpc>
+            </a:pPr>
+            <a:r>
+              <a:rPr lang="en-US" altLang="zh-CN" sz="1400" dirty="0">
+                <a:solidFill>
+                  <a:schemeClr val="accent2"/>
+                </a:solidFill>
+                <a:latin typeface="Times New Roman" panose="02020603050405020304" pitchFamily="18" charset="0"/>
+                <a:cs typeface="Times New Roman" panose="02020603050405020304" pitchFamily="18" charset="0"/>
+              </a:rPr>
+              <a:t>(ADDED)</a:t>
+            </a:r>
+            <a:endParaRPr lang="zh-CN" altLang="en-US" sz="1400" dirty="0">
+              <a:solidFill>
+                <a:schemeClr val="accent2"/>
+              </a:solidFill>
+              <a:latin typeface="Times New Roman" panose="02020603050405020304" pitchFamily="18" charset="0"/>
+              <a:cs typeface="Times New Roman" panose="02020603050405020304" pitchFamily="18" charset="0"/>
+            </a:endParaRPr>
+          </a:p>
+        </p:txBody>
+      </p:sp>
+      <p:cxnSp>
+        <p:nvCxnSpPr>
+          <p:cNvPr id="199" name="直接连接符 198">
+            <a:extLst>
+              <a:ext uri="{FF2B5EF4-FFF2-40B4-BE49-F238E27FC236}">
+                <a16:creationId xmlns:a16="http://schemas.microsoft.com/office/drawing/2014/main" id="{2123D9E3-61DF-4D37-86B7-2E55176CA561}"/>
+              </a:ext>
+            </a:extLst>
+          </p:cNvPr>
+          <p:cNvCxnSpPr>
+            <a:cxnSpLocks/>
+            <a:endCxn id="187" idx="2"/>
+          </p:cNvCxnSpPr>
+          <p:nvPr/>
+        </p:nvCxnSpPr>
+        <p:spPr>
+          <a:xfrm flipV="1">
+            <a:off x="9978882" y="1483165"/>
+            <a:ext cx="0" cy="318426"/>
+          </a:xfrm>
+          <a:prstGeom prst="line">
+            <a:avLst/>
+          </a:prstGeom>
+          <a:ln w="19050">
+            <a:solidFill>
+              <a:schemeClr val="tx1"/>
+            </a:solidFill>
+            <a:prstDash val="solid"/>
+            <a:headEnd type="none" w="med" len="med"/>
+            <a:tailEnd type="arrow" w="med" len="med"/>
+          </a:ln>
+        </p:spPr>
+        <p:style>
+          <a:lnRef idx="1">
+            <a:schemeClr val="accent1"/>
+          </a:lnRef>
+          <a:fillRef idx="0">
+            <a:schemeClr val="accent1"/>
+          </a:fillRef>
+          <a:effectRef idx="0">
+            <a:schemeClr val="accent1"/>
+          </a:effectRef>
+          <a:fontRef idx="minor">
+            <a:schemeClr val="tx1"/>
+          </a:fontRef>
+        </p:style>
+      </p:cxnSp>
+      <p:sp>
+        <p:nvSpPr>
+          <p:cNvPr id="206" name="矩形 205">
+            <a:extLst>
+              <a:ext uri="{FF2B5EF4-FFF2-40B4-BE49-F238E27FC236}">
+                <a16:creationId xmlns:a16="http://schemas.microsoft.com/office/drawing/2014/main" id="{26DAB628-46BC-40C5-ABDB-62B346B7F82B}"/>
+              </a:ext>
+            </a:extLst>
+          </p:cNvPr>
+          <p:cNvSpPr/>
+          <p:nvPr/>
+        </p:nvSpPr>
+        <p:spPr>
+          <a:xfrm>
+            <a:off x="9476179" y="913046"/>
+            <a:ext cx="1005404" cy="584775"/>
+          </a:xfrm>
+          <a:prstGeom prst="rect">
+            <a:avLst/>
+          </a:prstGeom>
+        </p:spPr>
+        <p:txBody>
+          <a:bodyPr wrap="none">
+            <a:spAutoFit/>
+          </a:bodyPr>
+          <a:lstStyle/>
+          <a:p>
+            <a:pPr algn="ctr"/>
+            <a:r>
+              <a:rPr lang="zh-CN" altLang="en-US" sz="1600" i="1" dirty="0">
+                <a:latin typeface="Times New Roman" panose="02020603050405020304" pitchFamily="18" charset="0"/>
+                <a:cs typeface="Times New Roman" panose="02020603050405020304" pitchFamily="18" charset="0"/>
+              </a:rPr>
+              <a:t>状态同步</a:t>
+            </a:r>
+            <a:endParaRPr lang="en-US" altLang="zh-CN" sz="1600" i="1" dirty="0">
+              <a:latin typeface="Times New Roman" panose="02020603050405020304" pitchFamily="18" charset="0"/>
+              <a:cs typeface="Times New Roman" panose="02020603050405020304" pitchFamily="18" charset="0"/>
+            </a:endParaRPr>
+          </a:p>
+          <a:p>
+            <a:pPr algn="ctr"/>
+            <a:r>
+              <a:rPr lang="en-US" altLang="zh-CN" sz="1600" dirty="0">
+                <a:solidFill>
+                  <a:schemeClr val="accent2"/>
+                </a:solidFill>
+                <a:latin typeface="Times New Roman" panose="02020603050405020304" pitchFamily="18" charset="0"/>
+                <a:cs typeface="Times New Roman" panose="02020603050405020304" pitchFamily="18" charset="0"/>
+              </a:rPr>
+              <a:t>(YAML)</a:t>
+            </a:r>
+            <a:endParaRPr lang="zh-CN" altLang="en-US" sz="1600" i="1" dirty="0">
+              <a:solidFill>
+                <a:schemeClr val="accent2"/>
+              </a:solidFill>
+              <a:latin typeface="Times New Roman" panose="02020603050405020304" pitchFamily="18" charset="0"/>
+              <a:cs typeface="Times New Roman" panose="02020603050405020304" pitchFamily="18" charset="0"/>
+            </a:endParaRPr>
+          </a:p>
+        </p:txBody>
+      </p:sp>
+      <p:sp>
+        <p:nvSpPr>
+          <p:cNvPr id="9" name="爆炸形: 8 pt  8">
+            <a:extLst>
+              <a:ext uri="{FF2B5EF4-FFF2-40B4-BE49-F238E27FC236}">
+                <a16:creationId xmlns:a16="http://schemas.microsoft.com/office/drawing/2014/main" id="{D59F1C85-E395-43AD-912A-7770FBC391E7}"/>
+              </a:ext>
+            </a:extLst>
+          </p:cNvPr>
+          <p:cNvSpPr/>
+          <p:nvPr/>
+        </p:nvSpPr>
+        <p:spPr>
+          <a:xfrm>
+            <a:off x="7041932" y="5357358"/>
+            <a:ext cx="771896" cy="713798"/>
+          </a:xfrm>
+          <a:prstGeom prst="irregularSeal1">
+            <a:avLst/>
+          </a:prstGeom>
+          <a:solidFill>
+            <a:schemeClr val="bg2">
+              <a:lumMod val="90000"/>
+            </a:schemeClr>
+          </a:solidFill>
+          <a:ln>
+            <a:solidFill>
+              <a:schemeClr val="tx1"/>
+            </a:solidFill>
+          </a:ln>
+          <a:effectLst>
+            <a:glow rad="139700">
+              <a:schemeClr val="accent2">
+                <a:satMod val="175000"/>
+                <a:alpha val="40000"/>
+              </a:schemeClr>
+            </a:glow>
+            <a:outerShdw blurRad="76200" dir="18900000" sy="23000" kx="-1200000" algn="bl" rotWithShape="0">
+              <a:prstClr val="black">
+                <a:alpha val="20000"/>
+              </a:prstClr>
+            </a:outerShdw>
+          </a:effectLst>
+        </p:spPr>
+        <p:style>
+          <a:lnRef idx="2">
+            <a:schemeClr val="accent1">
+              <a:shade val="50000"/>
+            </a:schemeClr>
+          </a:lnRef>
+          <a:fillRef idx="1">
+            <a:schemeClr val="accent1"/>
+          </a:fillRef>
+          <a:effectRef idx="0">
+            <a:schemeClr val="accent1"/>
+          </a:effectRef>
+          <a:fontRef idx="minor">
+            <a:schemeClr val="lt1"/>
+          </a:fontRef>
+        </p:style>
+        <p:txBody>
+          <a:bodyPr rot="0" spcFirstLastPara="0" vertOverflow="overflow" horzOverflow="overflow" vert="horz" wrap="square" lIns="91440" tIns="45720" rIns="91440" bIns="45720" numCol="1" spcCol="0" rtlCol="0" fromWordArt="0" anchor="ctr" anchorCtr="0" forceAA="0" compatLnSpc="1">
+            <a:prstTxWarp prst="textNoShape">
+              <a:avLst/>
+            </a:prstTxWarp>
+            <a:noAutofit/>
+          </a:bodyPr>
+          <a:lstStyle/>
+          <a:p>
+            <a:pPr algn="ctr"/>
+            <a:endParaRPr lang="zh-CN" altLang="en-US">
+              <a:solidFill>
+                <a:schemeClr val="tx1"/>
+              </a:solidFill>
+            </a:endParaRPr>
+          </a:p>
+        </p:txBody>
+      </p:sp>
+      <p:sp>
+        <p:nvSpPr>
+          <p:cNvPr id="146" name="矩形 145">
+            <a:extLst>
+              <a:ext uri="{FF2B5EF4-FFF2-40B4-BE49-F238E27FC236}">
+                <a16:creationId xmlns:a16="http://schemas.microsoft.com/office/drawing/2014/main" id="{1D40F2E5-7E7A-4F80-92EC-1A9999B35304}"/>
+              </a:ext>
+            </a:extLst>
+          </p:cNvPr>
+          <p:cNvSpPr/>
+          <p:nvPr/>
+        </p:nvSpPr>
+        <p:spPr>
+          <a:xfrm>
+            <a:off x="7601268" y="5623220"/>
+            <a:ext cx="1129109" cy="317381"/>
+          </a:xfrm>
+          <a:prstGeom prst="rect">
+            <a:avLst/>
+          </a:prstGeom>
+          <a:solidFill>
+            <a:schemeClr val="bg1"/>
+          </a:solidFill>
+          <a:ln>
+            <a:solidFill>
+              <a:schemeClr val="tx1"/>
+            </a:solidFill>
+          </a:ln>
+        </p:spPr>
+        <p:style>
+          <a:lnRef idx="2">
+            <a:schemeClr val="accent1">
+              <a:shade val="50000"/>
+            </a:schemeClr>
+          </a:lnRef>
+          <a:fillRef idx="1">
+            <a:schemeClr val="accent1"/>
+          </a:fillRef>
+          <a:effectRef idx="0">
+            <a:schemeClr val="accent1"/>
+          </a:effectRef>
+          <a:fontRef idx="minor">
+            <a:schemeClr val="lt1"/>
+          </a:fontRef>
+        </p:style>
+        <p:txBody>
+          <a:bodyPr rtlCol="0" anchor="ctr"/>
+          <a:lstStyle/>
+          <a:p>
+            <a:pPr algn="ctr"/>
+            <a:endParaRPr lang="zh-CN" altLang="en-US"/>
+          </a:p>
+        </p:txBody>
+      </p:sp>
+      <p:sp>
+        <p:nvSpPr>
+          <p:cNvPr id="147" name="文本框 146">
+            <a:extLst>
+              <a:ext uri="{FF2B5EF4-FFF2-40B4-BE49-F238E27FC236}">
+                <a16:creationId xmlns:a16="http://schemas.microsoft.com/office/drawing/2014/main" id="{DEF68C62-76E4-458A-8B38-CA6B19CCFDF2}"/>
+              </a:ext>
+            </a:extLst>
+          </p:cNvPr>
+          <p:cNvSpPr txBox="1"/>
+          <p:nvPr/>
+        </p:nvSpPr>
+        <p:spPr>
+          <a:xfrm>
+            <a:off x="7540953" y="5592451"/>
+            <a:ext cx="1256262" cy="369332"/>
+          </a:xfrm>
+          <a:prstGeom prst="rect">
+            <a:avLst/>
+          </a:prstGeom>
+          <a:noFill/>
+        </p:spPr>
+        <p:txBody>
+          <a:bodyPr wrap="square" rtlCol="0">
+            <a:spAutoFit/>
+          </a:bodyPr>
+          <a:lstStyle/>
+          <a:p>
+            <a:pPr algn="ctr"/>
+            <a:r>
+              <a:rPr lang="zh-CN" altLang="en-US" dirty="0">
+                <a:solidFill>
+                  <a:schemeClr val="accent2"/>
+                </a:solidFill>
+                <a:latin typeface="Times New Roman" panose="02020603050405020304" pitchFamily="18" charset="0"/>
+                <a:cs typeface="Times New Roman" panose="02020603050405020304" pitchFamily="18" charset="0"/>
+              </a:rPr>
+              <a:t>监听事件</a:t>
+            </a:r>
+          </a:p>
+        </p:txBody>
+      </p:sp>
+    </p:spTree>
+    <p:extLst>
+      <p:ext uri="{BB962C8B-B14F-4D97-AF65-F5344CB8AC3E}">
+        <p14:creationId xmlns:p14="http://schemas.microsoft.com/office/powerpoint/2010/main" val="3189326951"/>
       </p:ext>
     </p:extLst>
   </p:cSld>
